--- a/React_Study.pptx
+++ b/React_Study.pptx
@@ -10,6 +10,10 @@
     <p:sldId id="258" r:id="rId4"/>
     <p:sldId id="259" r:id="rId5"/>
     <p:sldId id="260" r:id="rId6"/>
+    <p:sldId id="261" r:id="rId7"/>
+    <p:sldId id="262" r:id="rId8"/>
+    <p:sldId id="264" r:id="rId9"/>
+    <p:sldId id="263" r:id="rId10"/>
   </p:sldIdLst>
   <p:sldSz cx="12192000" cy="6858000"/>
   <p:notesSz cx="6858000" cy="9144000"/>
@@ -108,6 +112,11 @@
       </a:defRPr>
     </a:lvl9pPr>
   </p:defaultTextStyle>
+  <p:extLst>
+    <p:ext uri="{EFAFB233-063F-42B5-8137-9DF3F51BA10A}">
+      <p15:sldGuideLst xmlns:p15="http://schemas.microsoft.com/office/powerpoint/2012/main"/>
+    </p:ext>
+  </p:extLst>
 </p:presentation>
 </file>
 
@@ -3100,8 +3109,8 @@
         </p:nvSpPr>
         <p:spPr>
           <a:xfrm>
-            <a:off x="1549101" y="2000922"/>
-            <a:ext cx="6599820" cy="2031325"/>
+            <a:off x="1947133" y="1779687"/>
+            <a:ext cx="6599820" cy="4247317"/>
           </a:xfrm>
           <a:prstGeom prst="rect">
             <a:avLst/>
@@ -3137,9 +3146,6 @@
             <a:endParaRPr lang="en-US" altLang="ko-KR" dirty="0" smtClean="0"/>
           </a:p>
           <a:p>
-            <a:endParaRPr lang="en-US" altLang="ko-KR" dirty="0"/>
-          </a:p>
-          <a:p>
             <a:endParaRPr lang="en-US" altLang="ko-KR" dirty="0" smtClean="0"/>
           </a:p>
           <a:p>
@@ -3152,12 +3158,109 @@
           <a:p>
             <a:r>
               <a:rPr lang="en-US" altLang="ko-KR" dirty="0" smtClean="0"/>
-              <a:t>Node.js - https://nodejs.org/ko/download/</a:t>
-            </a:r>
-            <a:endParaRPr lang="ko-KR" altLang="en-US" dirty="0" smtClean="0"/>
-          </a:p>
-          <a:p>
+              <a:t>Node.js - </a:t>
+            </a:r>
+            <a:r>
+              <a:rPr lang="en-US" altLang="ko-KR" dirty="0" smtClean="0">
+                <a:hlinkClick r:id="rId3"/>
+              </a:rPr>
+              <a:t>https://nodejs.org/ko/download</a:t>
+            </a:r>
+            <a:r>
+              <a:rPr lang="en-US" altLang="ko-KR" dirty="0" smtClean="0">
+                <a:hlinkClick r:id="rId3"/>
+              </a:rPr>
+              <a:t>/</a:t>
+            </a:r>
             <a:endParaRPr lang="en-US" altLang="ko-KR" dirty="0" smtClean="0"/>
+          </a:p>
+          <a:p>
+            <a:endParaRPr lang="en-US" altLang="ko-KR" dirty="0" smtClean="0"/>
+          </a:p>
+          <a:p>
+            <a:endParaRPr lang="en-US" altLang="ko-KR" dirty="0"/>
+          </a:p>
+          <a:p>
+            <a:r>
+              <a:rPr lang="en-US" altLang="ko-KR" dirty="0"/>
+              <a:t>Server side</a:t>
+            </a:r>
+          </a:p>
+          <a:p>
+            <a:r>
+              <a:rPr lang="en-US" altLang="ko-KR" dirty="0"/>
+              <a:t>Express - </a:t>
+            </a:r>
+            <a:r>
+              <a:rPr lang="en-US" altLang="ko-KR" dirty="0">
+                <a:hlinkClick r:id="rId4"/>
+              </a:rPr>
+              <a:t>https://expressjs.com/ko/</a:t>
+            </a:r>
+            <a:endParaRPr lang="en-US" altLang="ko-KR" dirty="0"/>
+          </a:p>
+          <a:p>
+            <a:endParaRPr lang="en-US" altLang="ko-KR" dirty="0"/>
+          </a:p>
+          <a:p>
+            <a:r>
+              <a:rPr lang="en-US" altLang="ko-KR" dirty="0" smtClean="0"/>
+              <a:t>Client </a:t>
+            </a:r>
+            <a:r>
+              <a:rPr lang="en-US" altLang="ko-KR" dirty="0"/>
+              <a:t>side</a:t>
+            </a:r>
+          </a:p>
+          <a:p>
+            <a:r>
+              <a:rPr lang="en-US" altLang="ko-KR" dirty="0"/>
+              <a:t>React - </a:t>
+            </a:r>
+            <a:r>
+              <a:rPr lang="en-US" altLang="ko-KR" dirty="0">
+                <a:hlinkClick r:id="rId5"/>
+              </a:rPr>
+              <a:t>https://ko.reactjs.org/docs/getting-started.html</a:t>
+            </a:r>
+            <a:endParaRPr lang="en-US" altLang="ko-KR" dirty="0"/>
+          </a:p>
+          <a:p>
+            <a:endParaRPr lang="en-US" altLang="ko-KR" dirty="0"/>
+          </a:p>
+          <a:p>
+            <a:r>
+              <a:rPr lang="ko-KR" altLang="en-US" dirty="0"/>
+              <a:t>패키지 매니저</a:t>
+            </a:r>
+            <a:endParaRPr lang="en-US" altLang="ko-KR" dirty="0"/>
+          </a:p>
+          <a:p>
+            <a:r>
+              <a:rPr lang="en-US" altLang="ko-KR" dirty="0"/>
+              <a:t>Yarn</a:t>
+            </a:r>
+            <a:r>
+              <a:rPr lang="ko-KR" altLang="en-US" dirty="0"/>
+              <a:t> </a:t>
+            </a:r>
+            <a:r>
+              <a:rPr lang="en-US" altLang="ko-KR" dirty="0"/>
+              <a:t>- </a:t>
+            </a:r>
+            <a:r>
+              <a:rPr lang="en-US" altLang="ko-KR" dirty="0">
+                <a:hlinkClick r:id="rId6"/>
+              </a:rPr>
+              <a:t>https://</a:t>
+            </a:r>
+            <a:r>
+              <a:rPr lang="en-US" altLang="ko-KR" dirty="0" smtClean="0">
+                <a:hlinkClick r:id="rId6"/>
+              </a:rPr>
+              <a:t>yarnpkg.com/getting-started</a:t>
+            </a:r>
+            <a:endParaRPr lang="en-US" altLang="ko-KR" dirty="0"/>
           </a:p>
         </p:txBody>
       </p:sp>
@@ -3211,93 +3314,6 @@
               <a:t>개발 환경</a:t>
             </a:r>
             <a:endParaRPr lang="ko-KR" altLang="en-US" dirty="0"/>
-          </a:p>
-        </p:txBody>
-      </p:sp>
-      <p:sp>
-        <p:nvSpPr>
-          <p:cNvPr id="3" name="TextBox 2"/>
-          <p:cNvSpPr txBox="1"/>
-          <p:nvPr/>
-        </p:nvSpPr>
-        <p:spPr>
-          <a:xfrm>
-            <a:off x="1742739" y="2054711"/>
-            <a:ext cx="5918287" cy="2862322"/>
-          </a:xfrm>
-          <a:prstGeom prst="rect">
-            <a:avLst/>
-          </a:prstGeom>
-          <a:noFill/>
-        </p:spPr>
-        <p:txBody>
-          <a:bodyPr wrap="none" rtlCol="0">
-            <a:spAutoFit/>
-          </a:bodyPr>
-          <a:lstStyle/>
-          <a:p>
-            <a:r>
-              <a:rPr lang="en-US" altLang="ko-KR" dirty="0" smtClean="0"/>
-              <a:t>Server side</a:t>
-            </a:r>
-          </a:p>
-          <a:p>
-            <a:r>
-              <a:rPr lang="en-US" altLang="ko-KR" dirty="0" smtClean="0"/>
-              <a:t>Express - https://expressjs.com/ko/</a:t>
-            </a:r>
-          </a:p>
-          <a:p>
-            <a:endParaRPr lang="en-US" altLang="ko-KR" dirty="0"/>
-          </a:p>
-          <a:p>
-            <a:endParaRPr lang="en-US" altLang="ko-KR" dirty="0" smtClean="0"/>
-          </a:p>
-          <a:p>
-            <a:r>
-              <a:rPr lang="en-US" altLang="ko-KR" dirty="0" smtClean="0"/>
-              <a:t>Client side</a:t>
-            </a:r>
-          </a:p>
-          <a:p>
-            <a:r>
-              <a:rPr lang="en-US" altLang="ko-KR" dirty="0" smtClean="0"/>
-              <a:t>React - </a:t>
-            </a:r>
-            <a:r>
-              <a:rPr lang="en-US" altLang="ko-KR" dirty="0" smtClean="0">
-                <a:hlinkClick r:id="rId2"/>
-              </a:rPr>
-              <a:t>https://ko.reactjs.org/docs/getting-started.html</a:t>
-            </a:r>
-            <a:endParaRPr lang="en-US" altLang="ko-KR" dirty="0" smtClean="0"/>
-          </a:p>
-          <a:p>
-            <a:endParaRPr lang="en-US" altLang="ko-KR" dirty="0" smtClean="0"/>
-          </a:p>
-          <a:p>
-            <a:endParaRPr lang="en-US" altLang="ko-KR" dirty="0"/>
-          </a:p>
-          <a:p>
-            <a:r>
-              <a:rPr lang="ko-KR" altLang="en-US" dirty="0" smtClean="0"/>
-              <a:t>패키지 매니저</a:t>
-            </a:r>
-            <a:endParaRPr lang="en-US" altLang="ko-KR" dirty="0" smtClean="0"/>
-          </a:p>
-          <a:p>
-            <a:r>
-              <a:rPr lang="en-US" altLang="ko-KR" dirty="0" smtClean="0"/>
-              <a:t>Yarn</a:t>
-            </a:r>
-            <a:r>
-              <a:rPr lang="ko-KR" altLang="en-US" dirty="0" smtClean="0"/>
-              <a:t> </a:t>
-            </a:r>
-            <a:r>
-              <a:rPr lang="en-US" altLang="ko-KR" dirty="0" smtClean="0"/>
-              <a:t>- https://yarnpkg.com/getting-started</a:t>
-            </a:r>
           </a:p>
         </p:txBody>
       </p:sp>
@@ -3665,6 +3681,788 @@
     <p:extLst>
       <p:ext uri="{BB962C8B-B14F-4D97-AF65-F5344CB8AC3E}">
         <p14:creationId xmlns:p14="http://schemas.microsoft.com/office/powerpoint/2010/main" val="764269922"/>
+      </p:ext>
+    </p:extLst>
+  </p:cSld>
+  <p:clrMapOvr>
+    <a:masterClrMapping/>
+  </p:clrMapOvr>
+</p:sld>
+</file>
+
+<file path=ppt/slides/slide6.xml><?xml version="1.0" encoding="utf-8"?>
+<p:sld xmlns:a="http://schemas.openxmlformats.org/drawingml/2006/main" xmlns:r="http://schemas.openxmlformats.org/officeDocument/2006/relationships" xmlns:p="http://schemas.openxmlformats.org/presentationml/2006/main">
+  <p:cSld>
+    <p:spTree>
+      <p:nvGrpSpPr>
+        <p:cNvPr id="1" name=""/>
+        <p:cNvGrpSpPr/>
+        <p:nvPr/>
+      </p:nvGrpSpPr>
+      <p:grpSpPr>
+        <a:xfrm>
+          <a:off x="0" y="0"/>
+          <a:ext cx="0" cy="0"/>
+          <a:chOff x="0" y="0"/>
+          <a:chExt cx="0" cy="0"/>
+        </a:xfrm>
+      </p:grpSpPr>
+      <p:sp>
+        <p:nvSpPr>
+          <p:cNvPr id="2" name="제목 1"/>
+          <p:cNvSpPr>
+            <a:spLocks noGrp="1"/>
+          </p:cNvSpPr>
+          <p:nvPr>
+            <p:ph type="title"/>
+          </p:nvPr>
+        </p:nvSpPr>
+        <p:spPr/>
+        <p:txBody>
+          <a:bodyPr/>
+          <a:lstStyle/>
+          <a:p>
+            <a:r>
+              <a:rPr lang="en-US" altLang="ko-KR" dirty="0" smtClean="0"/>
+              <a:t>1. </a:t>
+            </a:r>
+            <a:r>
+              <a:rPr lang="ko-KR" altLang="en-US" dirty="0" smtClean="0"/>
+              <a:t>프로젝트 생성</a:t>
+            </a:r>
+            <a:endParaRPr lang="ko-KR" altLang="en-US" dirty="0"/>
+          </a:p>
+        </p:txBody>
+      </p:sp>
+      <p:sp>
+        <p:nvSpPr>
+          <p:cNvPr id="3" name="TextBox 2"/>
+          <p:cNvSpPr txBox="1"/>
+          <p:nvPr/>
+        </p:nvSpPr>
+        <p:spPr>
+          <a:xfrm>
+            <a:off x="1721223" y="1592133"/>
+            <a:ext cx="3855158" cy="4801314"/>
+          </a:xfrm>
+          <a:prstGeom prst="rect">
+            <a:avLst/>
+          </a:prstGeom>
+          <a:noFill/>
+        </p:spPr>
+        <p:txBody>
+          <a:bodyPr wrap="none" rtlCol="0">
+            <a:spAutoFit/>
+          </a:bodyPr>
+          <a:lstStyle/>
+          <a:p>
+            <a:r>
+              <a:rPr lang="en-US" altLang="ko-KR" dirty="0" smtClean="0"/>
+              <a:t>$ </a:t>
+            </a:r>
+            <a:r>
+              <a:rPr lang="en-US" altLang="ko-KR" dirty="0" err="1" smtClean="0"/>
+              <a:t>mkdir</a:t>
+            </a:r>
+            <a:r>
+              <a:rPr lang="en-US" altLang="ko-KR" dirty="0" smtClean="0"/>
+              <a:t> </a:t>
+            </a:r>
+            <a:r>
+              <a:rPr lang="en-US" altLang="ko-KR" dirty="0" err="1" smtClean="0"/>
+              <a:t>react_study</a:t>
+            </a:r>
+            <a:endParaRPr lang="en-US" altLang="ko-KR" dirty="0" smtClean="0"/>
+          </a:p>
+          <a:p>
+            <a:r>
+              <a:rPr lang="en-US" altLang="ko-KR" dirty="0" smtClean="0"/>
+              <a:t>$ cd </a:t>
+            </a:r>
+            <a:r>
+              <a:rPr lang="en-US" altLang="ko-KR" dirty="0" err="1" smtClean="0"/>
+              <a:t>react_study</a:t>
+            </a:r>
+            <a:endParaRPr lang="en-US" altLang="ko-KR" dirty="0" smtClean="0"/>
+          </a:p>
+          <a:p>
+            <a:endParaRPr lang="en-US" altLang="ko-KR" dirty="0" smtClean="0"/>
+          </a:p>
+          <a:p>
+            <a:r>
+              <a:rPr lang="en-US" altLang="ko-KR" dirty="0" smtClean="0"/>
+              <a:t>$ </a:t>
+            </a:r>
+            <a:r>
+              <a:rPr lang="en-US" altLang="ko-KR" dirty="0" err="1" smtClean="0"/>
+              <a:t>npm</a:t>
+            </a:r>
+            <a:r>
+              <a:rPr lang="en-US" altLang="ko-KR" dirty="0" smtClean="0"/>
+              <a:t> install express</a:t>
+            </a:r>
+          </a:p>
+          <a:p>
+            <a:r>
+              <a:rPr lang="en-US" altLang="ko-KR" dirty="0" smtClean="0"/>
+              <a:t>$ </a:t>
+            </a:r>
+            <a:r>
+              <a:rPr lang="en-US" altLang="ko-KR" dirty="0" err="1"/>
+              <a:t>npm</a:t>
+            </a:r>
+            <a:r>
+              <a:rPr lang="en-US" altLang="ko-KR" dirty="0"/>
+              <a:t> install express-generator </a:t>
+            </a:r>
+            <a:r>
+              <a:rPr lang="en-US" altLang="ko-KR" dirty="0" smtClean="0"/>
+              <a:t>–g</a:t>
+            </a:r>
+          </a:p>
+          <a:p>
+            <a:r>
+              <a:rPr lang="en-US" altLang="ko-KR" dirty="0" smtClean="0"/>
+              <a:t>$ express </a:t>
+            </a:r>
+            <a:r>
+              <a:rPr lang="en-US" altLang="ko-KR" dirty="0"/>
+              <a:t>--view=pug </a:t>
+            </a:r>
+            <a:r>
+              <a:rPr lang="en-US" altLang="ko-KR" dirty="0" smtClean="0"/>
+              <a:t>server-side</a:t>
+            </a:r>
+          </a:p>
+          <a:p>
+            <a:r>
+              <a:rPr lang="en-US" altLang="ko-KR" dirty="0" smtClean="0"/>
+              <a:t>$ cd server-side</a:t>
+            </a:r>
+          </a:p>
+          <a:p>
+            <a:r>
+              <a:rPr lang="en-US" altLang="ko-KR" dirty="0" smtClean="0"/>
+              <a:t>$ </a:t>
+            </a:r>
+            <a:r>
+              <a:rPr lang="en-US" altLang="ko-KR" dirty="0" err="1" smtClean="0"/>
+              <a:t>npm</a:t>
+            </a:r>
+            <a:r>
+              <a:rPr lang="en-US" altLang="ko-KR" dirty="0" smtClean="0"/>
+              <a:t> install</a:t>
+            </a:r>
+          </a:p>
+          <a:p>
+            <a:r>
+              <a:rPr lang="en-US" altLang="ko-KR" dirty="0" smtClean="0"/>
+              <a:t>$ </a:t>
+            </a:r>
+            <a:r>
+              <a:rPr lang="en-US" altLang="ko-KR" dirty="0" err="1" smtClean="0"/>
+              <a:t>npm</a:t>
+            </a:r>
+            <a:r>
+              <a:rPr lang="en-US" altLang="ko-KR" dirty="0" smtClean="0"/>
+              <a:t> start</a:t>
+            </a:r>
+          </a:p>
+          <a:p>
+            <a:r>
+              <a:rPr lang="en-US" altLang="ko-KR" dirty="0" smtClean="0">
+                <a:hlinkClick r:id="rId2"/>
+              </a:rPr>
+              <a:t>http://localhost:3000</a:t>
+            </a:r>
+            <a:r>
+              <a:rPr lang="en-US" altLang="ko-KR" dirty="0" smtClean="0"/>
+              <a:t> </a:t>
+            </a:r>
+            <a:r>
+              <a:rPr lang="ko-KR" altLang="en-US" dirty="0" smtClean="0"/>
+              <a:t>사이트 확인</a:t>
+            </a:r>
+            <a:endParaRPr lang="en-US" altLang="ko-KR" dirty="0" smtClean="0"/>
+          </a:p>
+          <a:p>
+            <a:r>
+              <a:rPr lang="en-US" altLang="ko-KR" dirty="0" smtClean="0"/>
+              <a:t>-&gt; port </a:t>
+            </a:r>
+            <a:r>
+              <a:rPr lang="ko-KR" altLang="en-US" dirty="0" smtClean="0"/>
+              <a:t>변경 후 사이트 재확인</a:t>
+            </a:r>
+            <a:r>
+              <a:rPr lang="en-US" altLang="ko-KR" dirty="0" smtClean="0"/>
+              <a:t>!!</a:t>
+            </a:r>
+          </a:p>
+          <a:p>
+            <a:endParaRPr lang="en-US" altLang="ko-KR" dirty="0" smtClean="0"/>
+          </a:p>
+          <a:p>
+            <a:r>
+              <a:rPr lang="en-US" altLang="ko-KR" dirty="0" smtClean="0"/>
+              <a:t>$ </a:t>
+            </a:r>
+            <a:r>
+              <a:rPr lang="en-US" altLang="ko-KR" dirty="0" err="1"/>
+              <a:t>npm</a:t>
+            </a:r>
+            <a:r>
+              <a:rPr lang="en-US" altLang="ko-KR" dirty="0"/>
+              <a:t> install -g create-react-app</a:t>
+            </a:r>
+            <a:endParaRPr lang="en-US" altLang="ko-KR" dirty="0"/>
+          </a:p>
+          <a:p>
+            <a:r>
+              <a:rPr lang="en-US" altLang="ko-KR" dirty="0" smtClean="0"/>
+              <a:t>$</a:t>
+            </a:r>
+            <a:r>
+              <a:rPr lang="en-US" altLang="ko-KR" dirty="0"/>
+              <a:t> </a:t>
+            </a:r>
+            <a:r>
+              <a:rPr lang="en-US" altLang="ko-KR" dirty="0" err="1"/>
+              <a:t>npx</a:t>
+            </a:r>
+            <a:r>
+              <a:rPr lang="en-US" altLang="ko-KR" dirty="0"/>
+              <a:t> create-react-app </a:t>
+            </a:r>
+            <a:r>
+              <a:rPr lang="en-US" altLang="ko-KR" dirty="0" smtClean="0"/>
+              <a:t>client-side</a:t>
+            </a:r>
+            <a:endParaRPr lang="en-US" altLang="ko-KR" dirty="0"/>
+          </a:p>
+          <a:p>
+            <a:r>
+              <a:rPr lang="en-US" altLang="ko-KR" dirty="0" smtClean="0"/>
+              <a:t>$ cd </a:t>
+            </a:r>
+            <a:r>
+              <a:rPr lang="en-US" altLang="ko-KR" dirty="0"/>
+              <a:t>client-side</a:t>
+            </a:r>
+          </a:p>
+          <a:p>
+            <a:r>
+              <a:rPr lang="en-US" altLang="ko-KR" dirty="0" smtClean="0"/>
+              <a:t>$ </a:t>
+            </a:r>
+            <a:r>
+              <a:rPr lang="en-US" altLang="ko-KR" dirty="0" err="1" smtClean="0"/>
+              <a:t>npm</a:t>
+            </a:r>
+            <a:r>
+              <a:rPr lang="en-US" altLang="ko-KR" dirty="0" smtClean="0"/>
+              <a:t> start</a:t>
+            </a:r>
+          </a:p>
+          <a:p>
+            <a:r>
+              <a:rPr lang="en-US" altLang="ko-KR" dirty="0">
+                <a:hlinkClick r:id="rId2"/>
+              </a:rPr>
+              <a:t>http://localhost:3000</a:t>
+            </a:r>
+            <a:r>
+              <a:rPr lang="en-US" altLang="ko-KR" dirty="0"/>
+              <a:t> </a:t>
+            </a:r>
+            <a:r>
+              <a:rPr lang="ko-KR" altLang="en-US" dirty="0"/>
+              <a:t>사이트 </a:t>
+            </a:r>
+            <a:r>
+              <a:rPr lang="ko-KR" altLang="en-US" dirty="0" smtClean="0"/>
+              <a:t>확인</a:t>
+            </a:r>
+            <a:endParaRPr lang="en-US" altLang="ko-KR" dirty="0"/>
+          </a:p>
+        </p:txBody>
+      </p:sp>
+    </p:spTree>
+    <p:extLst>
+      <p:ext uri="{BB962C8B-B14F-4D97-AF65-F5344CB8AC3E}">
+        <p14:creationId xmlns:p14="http://schemas.microsoft.com/office/powerpoint/2010/main" val="2260189412"/>
+      </p:ext>
+    </p:extLst>
+  </p:cSld>
+  <p:clrMapOvr>
+    <a:masterClrMapping/>
+  </p:clrMapOvr>
+</p:sld>
+</file>
+
+<file path=ppt/slides/slide7.xml><?xml version="1.0" encoding="utf-8"?>
+<p:sld xmlns:a="http://schemas.openxmlformats.org/drawingml/2006/main" xmlns:r="http://schemas.openxmlformats.org/officeDocument/2006/relationships" xmlns:p="http://schemas.openxmlformats.org/presentationml/2006/main">
+  <p:cSld>
+    <p:spTree>
+      <p:nvGrpSpPr>
+        <p:cNvPr id="1" name=""/>
+        <p:cNvGrpSpPr/>
+        <p:nvPr/>
+      </p:nvGrpSpPr>
+      <p:grpSpPr>
+        <a:xfrm>
+          <a:off x="0" y="0"/>
+          <a:ext cx="0" cy="0"/>
+          <a:chOff x="0" y="0"/>
+          <a:chExt cx="0" cy="0"/>
+        </a:xfrm>
+      </p:grpSpPr>
+      <p:sp>
+        <p:nvSpPr>
+          <p:cNvPr id="2" name="제목 1"/>
+          <p:cNvSpPr>
+            <a:spLocks noGrp="1"/>
+          </p:cNvSpPr>
+          <p:nvPr>
+            <p:ph type="title"/>
+          </p:nvPr>
+        </p:nvSpPr>
+        <p:spPr/>
+        <p:txBody>
+          <a:bodyPr/>
+          <a:lstStyle/>
+          <a:p>
+            <a:r>
+              <a:rPr lang="ko-KR" altLang="en-US" dirty="0" smtClean="0"/>
+              <a:t>여기서 잠깐</a:t>
+            </a:r>
+            <a:r>
+              <a:rPr lang="en-US" altLang="ko-KR" dirty="0" smtClean="0"/>
+              <a:t>!!</a:t>
+            </a:r>
+            <a:endParaRPr lang="ko-KR" altLang="en-US" dirty="0"/>
+          </a:p>
+        </p:txBody>
+      </p:sp>
+      <p:pic>
+        <p:nvPicPr>
+          <p:cNvPr id="3" name="그림 2"/>
+          <p:cNvPicPr>
+            <a:picLocks noChangeAspect="1"/>
+          </p:cNvPicPr>
+          <p:nvPr/>
+        </p:nvPicPr>
+        <p:blipFill>
+          <a:blip r:embed="rId2"/>
+          <a:stretch>
+            <a:fillRect/>
+          </a:stretch>
+        </p:blipFill>
+        <p:spPr>
+          <a:xfrm>
+            <a:off x="1009929" y="2188452"/>
+            <a:ext cx="6063652" cy="1167933"/>
+          </a:xfrm>
+          <a:prstGeom prst="rect">
+            <a:avLst/>
+          </a:prstGeom>
+        </p:spPr>
+      </p:pic>
+      <p:sp>
+        <p:nvSpPr>
+          <p:cNvPr id="4" name="TextBox 3"/>
+          <p:cNvSpPr txBox="1"/>
+          <p:nvPr/>
+        </p:nvSpPr>
+        <p:spPr>
+          <a:xfrm>
+            <a:off x="5066461" y="3813381"/>
+            <a:ext cx="4014240" cy="646331"/>
+          </a:xfrm>
+          <a:prstGeom prst="rect">
+            <a:avLst/>
+          </a:prstGeom>
+          <a:noFill/>
+        </p:spPr>
+        <p:txBody>
+          <a:bodyPr wrap="none" rtlCol="0">
+            <a:spAutoFit/>
+          </a:bodyPr>
+          <a:lstStyle/>
+          <a:p>
+            <a:r>
+              <a:rPr lang="en-US" altLang="ko-KR" dirty="0" smtClean="0"/>
+              <a:t>Node </a:t>
+            </a:r>
+            <a:r>
+              <a:rPr lang="en-US" altLang="ko-KR" dirty="0" err="1" smtClean="0"/>
+              <a:t>js</a:t>
+            </a:r>
+            <a:r>
+              <a:rPr lang="en-US" altLang="ko-KR" dirty="0" smtClean="0"/>
+              <a:t> </a:t>
+            </a:r>
+            <a:r>
+              <a:rPr lang="ko-KR" altLang="en-US" dirty="0" smtClean="0"/>
+              <a:t>홈페이지 가서 최신버전으로</a:t>
+            </a:r>
+            <a:endParaRPr lang="en-US" altLang="ko-KR" dirty="0" smtClean="0"/>
+          </a:p>
+          <a:p>
+            <a:r>
+              <a:rPr lang="ko-KR" altLang="en-US" dirty="0" smtClean="0"/>
+              <a:t>다운 받고 설치해주세요</a:t>
+            </a:r>
+            <a:r>
+              <a:rPr lang="en-US" altLang="ko-KR" dirty="0" smtClean="0"/>
+              <a:t>..</a:t>
+            </a:r>
+            <a:endParaRPr lang="ko-KR" altLang="en-US" dirty="0"/>
+          </a:p>
+        </p:txBody>
+      </p:sp>
+    </p:spTree>
+    <p:extLst>
+      <p:ext uri="{BB962C8B-B14F-4D97-AF65-F5344CB8AC3E}">
+        <p14:creationId xmlns:p14="http://schemas.microsoft.com/office/powerpoint/2010/main" val="1146021319"/>
+      </p:ext>
+    </p:extLst>
+  </p:cSld>
+  <p:clrMapOvr>
+    <a:masterClrMapping/>
+  </p:clrMapOvr>
+</p:sld>
+</file>
+
+<file path=ppt/slides/slide8.xml><?xml version="1.0" encoding="utf-8"?>
+<p:sld xmlns:a="http://schemas.openxmlformats.org/drawingml/2006/main" xmlns:r="http://schemas.openxmlformats.org/officeDocument/2006/relationships" xmlns:p="http://schemas.openxmlformats.org/presentationml/2006/main">
+  <p:cSld>
+    <p:spTree>
+      <p:nvGrpSpPr>
+        <p:cNvPr id="1" name=""/>
+        <p:cNvGrpSpPr/>
+        <p:nvPr/>
+      </p:nvGrpSpPr>
+      <p:grpSpPr>
+        <a:xfrm>
+          <a:off x="0" y="0"/>
+          <a:ext cx="0" cy="0"/>
+          <a:chOff x="0" y="0"/>
+          <a:chExt cx="0" cy="0"/>
+        </a:xfrm>
+      </p:grpSpPr>
+      <p:sp>
+        <p:nvSpPr>
+          <p:cNvPr id="2" name="제목 1"/>
+          <p:cNvSpPr>
+            <a:spLocks noGrp="1"/>
+          </p:cNvSpPr>
+          <p:nvPr>
+            <p:ph type="title"/>
+          </p:nvPr>
+        </p:nvSpPr>
+        <p:spPr/>
+        <p:txBody>
+          <a:bodyPr/>
+          <a:lstStyle/>
+          <a:p>
+            <a:r>
+              <a:rPr lang="en-US" altLang="ko-KR" dirty="0" smtClean="0"/>
+              <a:t>1. </a:t>
+            </a:r>
+            <a:r>
+              <a:rPr lang="ko-KR" altLang="en-US" dirty="0" smtClean="0"/>
+              <a:t>프로젝트 생성</a:t>
+            </a:r>
+            <a:endParaRPr lang="ko-KR" altLang="en-US" dirty="0"/>
+          </a:p>
+        </p:txBody>
+      </p:sp>
+      <p:sp>
+        <p:nvSpPr>
+          <p:cNvPr id="3" name="TextBox 2"/>
+          <p:cNvSpPr txBox="1"/>
+          <p:nvPr/>
+        </p:nvSpPr>
+        <p:spPr>
+          <a:xfrm>
+            <a:off x="427987" y="1818042"/>
+            <a:ext cx="3927998" cy="1569660"/>
+          </a:xfrm>
+          <a:prstGeom prst="rect">
+            <a:avLst/>
+          </a:prstGeom>
+          <a:noFill/>
+        </p:spPr>
+        <p:txBody>
+          <a:bodyPr wrap="none" rtlCol="0">
+            <a:spAutoFit/>
+          </a:bodyPr>
+          <a:lstStyle/>
+          <a:p>
+            <a:endParaRPr lang="en-US" altLang="ko-KR" sz="1600" dirty="0"/>
+          </a:p>
+          <a:p>
+            <a:r>
+              <a:rPr lang="en-US" altLang="ko-KR" sz="1600" dirty="0"/>
+              <a:t>$ </a:t>
+            </a:r>
+            <a:r>
+              <a:rPr lang="en-US" altLang="ko-KR" sz="1600" dirty="0" err="1"/>
+              <a:t>npm</a:t>
+            </a:r>
+            <a:r>
+              <a:rPr lang="en-US" altLang="ko-KR" sz="1600" dirty="0"/>
+              <a:t> </a:t>
+            </a:r>
+            <a:r>
+              <a:rPr lang="en-US" altLang="ko-KR" sz="1600" dirty="0" err="1"/>
+              <a:t>i</a:t>
+            </a:r>
+            <a:r>
+              <a:rPr lang="en-US" altLang="ko-KR" sz="1600" dirty="0"/>
+              <a:t> -g </a:t>
+            </a:r>
+            <a:r>
+              <a:rPr lang="en-US" altLang="ko-KR" sz="1600" dirty="0" err="1"/>
+              <a:t>corepack</a:t>
+            </a:r>
+            <a:endParaRPr lang="en-US" altLang="ko-KR" sz="1600" dirty="0"/>
+          </a:p>
+          <a:p>
+            <a:r>
+              <a:rPr lang="en-US" altLang="ko-KR" sz="1600" dirty="0"/>
+              <a:t>$ cd </a:t>
+            </a:r>
+            <a:r>
+              <a:rPr lang="en-US" altLang="ko-KR" sz="1600" dirty="0" err="1"/>
+              <a:t>react_study</a:t>
+            </a:r>
+            <a:endParaRPr lang="en-US" altLang="ko-KR" sz="1600" dirty="0"/>
+          </a:p>
+          <a:p>
+            <a:r>
+              <a:rPr lang="en-US" altLang="ko-KR" sz="1600" dirty="0"/>
+              <a:t>$ yarn </a:t>
+            </a:r>
+            <a:r>
+              <a:rPr lang="en-US" altLang="ko-KR" sz="1600" dirty="0" err="1" smtClean="0"/>
+              <a:t>init</a:t>
+            </a:r>
+            <a:endParaRPr lang="en-US" altLang="ko-KR" sz="1600" dirty="0" smtClean="0"/>
+          </a:p>
+          <a:p>
+            <a:endParaRPr lang="en-US" altLang="ko-KR" sz="1600" dirty="0"/>
+          </a:p>
+          <a:p>
+            <a:r>
+              <a:rPr lang="en-US" altLang="ko-KR" sz="1600" dirty="0" err="1" smtClean="0"/>
+              <a:t>package.json</a:t>
+            </a:r>
+            <a:r>
+              <a:rPr lang="en-US" altLang="ko-KR" sz="1600" dirty="0" smtClean="0"/>
+              <a:t> </a:t>
+            </a:r>
+            <a:r>
+              <a:rPr lang="ko-KR" altLang="en-US" sz="1600" dirty="0" smtClean="0"/>
+              <a:t>파일에 아래 스크립트 추가</a:t>
+            </a:r>
+            <a:endParaRPr lang="en-US" altLang="ko-KR" sz="1600" dirty="0"/>
+          </a:p>
+        </p:txBody>
+      </p:sp>
+      <p:sp>
+        <p:nvSpPr>
+          <p:cNvPr id="4" name="TextBox 3"/>
+          <p:cNvSpPr txBox="1"/>
+          <p:nvPr/>
+        </p:nvSpPr>
+        <p:spPr>
+          <a:xfrm>
+            <a:off x="588447" y="3887383"/>
+            <a:ext cx="3607078" cy="769441"/>
+          </a:xfrm>
+          <a:prstGeom prst="rect">
+            <a:avLst/>
+          </a:prstGeom>
+          <a:noFill/>
+          <a:ln>
+            <a:solidFill>
+              <a:schemeClr val="tx1"/>
+            </a:solidFill>
+          </a:ln>
+        </p:spPr>
+        <p:txBody>
+          <a:bodyPr wrap="none" rtlCol="0">
+            <a:spAutoFit/>
+          </a:bodyPr>
+          <a:lstStyle/>
+          <a:p>
+            <a:r>
+              <a:rPr lang="en-US" altLang="ko-KR" sz="1100" dirty="0"/>
+              <a:t>"scripts": {</a:t>
+            </a:r>
+          </a:p>
+          <a:p>
+            <a:r>
+              <a:rPr lang="en-US" altLang="ko-KR" sz="1100" dirty="0"/>
+              <a:t>    "</a:t>
+            </a:r>
+            <a:r>
+              <a:rPr lang="en-US" altLang="ko-KR" sz="1100" dirty="0" err="1"/>
+              <a:t>devs</a:t>
+            </a:r>
+            <a:r>
+              <a:rPr lang="en-US" altLang="ko-KR" sz="1100" dirty="0"/>
+              <a:t>": "cd server-side &amp;&amp; node ./bin/www",</a:t>
+            </a:r>
+          </a:p>
+          <a:p>
+            <a:r>
+              <a:rPr lang="en-US" altLang="ko-KR" sz="1100" dirty="0"/>
+              <a:t>    "</a:t>
+            </a:r>
+            <a:r>
+              <a:rPr lang="en-US" altLang="ko-KR" sz="1100" dirty="0" err="1"/>
+              <a:t>devc</a:t>
+            </a:r>
+            <a:r>
+              <a:rPr lang="en-US" altLang="ko-KR" sz="1100" dirty="0"/>
+              <a:t>": "cd client-side &amp;&amp; yarn react-scripts start"</a:t>
+            </a:r>
+          </a:p>
+          <a:p>
+            <a:r>
+              <a:rPr lang="en-US" altLang="ko-KR" sz="1100" dirty="0"/>
+              <a:t>  </a:t>
+            </a:r>
+            <a:r>
+              <a:rPr lang="en-US" altLang="ko-KR" sz="1100" dirty="0" smtClean="0"/>
+              <a:t>}</a:t>
+            </a:r>
+            <a:endParaRPr lang="ko-KR" altLang="en-US" sz="1100" dirty="0"/>
+          </a:p>
+        </p:txBody>
+      </p:sp>
+      <p:pic>
+        <p:nvPicPr>
+          <p:cNvPr id="5" name="그림 4"/>
+          <p:cNvPicPr>
+            <a:picLocks noChangeAspect="1"/>
+          </p:cNvPicPr>
+          <p:nvPr/>
+        </p:nvPicPr>
+        <p:blipFill>
+          <a:blip r:embed="rId2"/>
+          <a:stretch>
+            <a:fillRect/>
+          </a:stretch>
+        </p:blipFill>
+        <p:spPr>
+          <a:xfrm>
+            <a:off x="4449516" y="2469296"/>
+            <a:ext cx="7742484" cy="4375056"/>
+          </a:xfrm>
+          <a:prstGeom prst="rect">
+            <a:avLst/>
+          </a:prstGeom>
+        </p:spPr>
+      </p:pic>
+    </p:spTree>
+    <p:extLst>
+      <p:ext uri="{BB962C8B-B14F-4D97-AF65-F5344CB8AC3E}">
+        <p14:creationId xmlns:p14="http://schemas.microsoft.com/office/powerpoint/2010/main" val="1706633956"/>
+      </p:ext>
+    </p:extLst>
+  </p:cSld>
+  <p:clrMapOvr>
+    <a:masterClrMapping/>
+  </p:clrMapOvr>
+</p:sld>
+</file>
+
+<file path=ppt/slides/slide9.xml><?xml version="1.0" encoding="utf-8"?>
+<p:sld xmlns:a="http://schemas.openxmlformats.org/drawingml/2006/main" xmlns:r="http://schemas.openxmlformats.org/officeDocument/2006/relationships" xmlns:p="http://schemas.openxmlformats.org/presentationml/2006/main">
+  <p:cSld>
+    <p:spTree>
+      <p:nvGrpSpPr>
+        <p:cNvPr id="1" name=""/>
+        <p:cNvGrpSpPr/>
+        <p:nvPr/>
+      </p:nvGrpSpPr>
+      <p:grpSpPr>
+        <a:xfrm>
+          <a:off x="0" y="0"/>
+          <a:ext cx="0" cy="0"/>
+          <a:chOff x="0" y="0"/>
+          <a:chExt cx="0" cy="0"/>
+        </a:xfrm>
+      </p:grpSpPr>
+      <p:sp>
+        <p:nvSpPr>
+          <p:cNvPr id="2" name="제목 1"/>
+          <p:cNvSpPr>
+            <a:spLocks noGrp="1"/>
+          </p:cNvSpPr>
+          <p:nvPr>
+            <p:ph type="title"/>
+          </p:nvPr>
+        </p:nvSpPr>
+        <p:spPr/>
+        <p:txBody>
+          <a:bodyPr/>
+          <a:lstStyle/>
+          <a:p>
+            <a:r>
+              <a:rPr lang="en-US" altLang="ko-KR" dirty="0" smtClean="0"/>
+              <a:t>2. </a:t>
+            </a:r>
+            <a:r>
+              <a:rPr lang="ko-KR" altLang="en-US" dirty="0" smtClean="0"/>
+              <a:t>필요 라이브러리 추가</a:t>
+            </a:r>
+            <a:endParaRPr lang="ko-KR" altLang="en-US" dirty="0"/>
+          </a:p>
+        </p:txBody>
+      </p:sp>
+      <p:sp>
+        <p:nvSpPr>
+          <p:cNvPr id="3" name="직사각형 2"/>
+          <p:cNvSpPr/>
+          <p:nvPr/>
+        </p:nvSpPr>
+        <p:spPr>
+          <a:xfrm>
+            <a:off x="1337534" y="1548676"/>
+            <a:ext cx="6096000" cy="923330"/>
+          </a:xfrm>
+          <a:prstGeom prst="rect">
+            <a:avLst/>
+          </a:prstGeom>
+        </p:spPr>
+        <p:txBody>
+          <a:bodyPr>
+            <a:spAutoFit/>
+          </a:bodyPr>
+          <a:lstStyle/>
+          <a:p>
+            <a:endParaRPr lang="en-US" altLang="ko-KR" dirty="0" smtClean="0"/>
+          </a:p>
+          <a:p>
+            <a:r>
+              <a:rPr lang="en-US" altLang="ko-KR" dirty="0" smtClean="0"/>
+              <a:t>$ …</a:t>
+            </a:r>
+          </a:p>
+          <a:p>
+            <a:endParaRPr lang="en-US" altLang="ko-KR" dirty="0"/>
+          </a:p>
+        </p:txBody>
+      </p:sp>
+    </p:spTree>
+    <p:extLst>
+      <p:ext uri="{BB962C8B-B14F-4D97-AF65-F5344CB8AC3E}">
+        <p14:creationId xmlns:p14="http://schemas.microsoft.com/office/powerpoint/2010/main" val="1709210802"/>
       </p:ext>
     </p:extLst>
   </p:cSld>

--- a/React_Study.pptx
+++ b/React_Study.pptx
@@ -11,9 +11,10 @@
     <p:sldId id="259" r:id="rId5"/>
     <p:sldId id="260" r:id="rId6"/>
     <p:sldId id="261" r:id="rId7"/>
-    <p:sldId id="262" r:id="rId8"/>
-    <p:sldId id="264" r:id="rId9"/>
+    <p:sldId id="266" r:id="rId8"/>
+    <p:sldId id="265" r:id="rId9"/>
     <p:sldId id="263" r:id="rId10"/>
+    <p:sldId id="267" r:id="rId11"/>
   </p:sldIdLst>
   <p:sldSz cx="12192000" cy="6858000"/>
   <p:notesSz cx="6858000" cy="9144000"/>
@@ -251,7 +252,7 @@
           <a:p>
             <a:fld id="{CD2F6E2E-667D-4499-9650-0ED9EE2F7AC0}" type="datetimeFigureOut">
               <a:rPr lang="ko-KR" altLang="en-US" smtClean="0"/>
-              <a:t>2022-01-07</a:t>
+              <a:t>2022-01-09</a:t>
             </a:fld>
             <a:endParaRPr lang="ko-KR" altLang="en-US"/>
           </a:p>
@@ -426,7 +427,7 @@
           <a:p>
             <a:fld id="{CD2F6E2E-667D-4499-9650-0ED9EE2F7AC0}" type="datetimeFigureOut">
               <a:rPr lang="ko-KR" altLang="en-US" smtClean="0"/>
-              <a:t>2022-01-07</a:t>
+              <a:t>2022-01-09</a:t>
             </a:fld>
             <a:endParaRPr lang="ko-KR" altLang="en-US"/>
           </a:p>
@@ -606,7 +607,7 @@
           <a:p>
             <a:fld id="{CD2F6E2E-667D-4499-9650-0ED9EE2F7AC0}" type="datetimeFigureOut">
               <a:rPr lang="ko-KR" altLang="en-US" smtClean="0"/>
-              <a:t>2022-01-07</a:t>
+              <a:t>2022-01-09</a:t>
             </a:fld>
             <a:endParaRPr lang="ko-KR" altLang="en-US"/>
           </a:p>
@@ -781,7 +782,7 @@
           <a:p>
             <a:fld id="{CD2F6E2E-667D-4499-9650-0ED9EE2F7AC0}" type="datetimeFigureOut">
               <a:rPr lang="ko-KR" altLang="en-US" smtClean="0"/>
-              <a:t>2022-01-07</a:t>
+              <a:t>2022-01-09</a:t>
             </a:fld>
             <a:endParaRPr lang="ko-KR" altLang="en-US"/>
           </a:p>
@@ -1027,7 +1028,7 @@
           <a:p>
             <a:fld id="{CD2F6E2E-667D-4499-9650-0ED9EE2F7AC0}" type="datetimeFigureOut">
               <a:rPr lang="ko-KR" altLang="en-US" smtClean="0"/>
-              <a:t>2022-01-07</a:t>
+              <a:t>2022-01-09</a:t>
             </a:fld>
             <a:endParaRPr lang="ko-KR" altLang="en-US"/>
           </a:p>
@@ -1264,7 +1265,7 @@
           <a:p>
             <a:fld id="{CD2F6E2E-667D-4499-9650-0ED9EE2F7AC0}" type="datetimeFigureOut">
               <a:rPr lang="ko-KR" altLang="en-US" smtClean="0"/>
-              <a:t>2022-01-07</a:t>
+              <a:t>2022-01-09</a:t>
             </a:fld>
             <a:endParaRPr lang="ko-KR" altLang="en-US"/>
           </a:p>
@@ -1631,7 +1632,7 @@
           <a:p>
             <a:fld id="{CD2F6E2E-667D-4499-9650-0ED9EE2F7AC0}" type="datetimeFigureOut">
               <a:rPr lang="ko-KR" altLang="en-US" smtClean="0"/>
-              <a:t>2022-01-07</a:t>
+              <a:t>2022-01-09</a:t>
             </a:fld>
             <a:endParaRPr lang="ko-KR" altLang="en-US"/>
           </a:p>
@@ -1754,7 +1755,7 @@
           <a:p>
             <a:fld id="{CD2F6E2E-667D-4499-9650-0ED9EE2F7AC0}" type="datetimeFigureOut">
               <a:rPr lang="ko-KR" altLang="en-US" smtClean="0"/>
-              <a:t>2022-01-07</a:t>
+              <a:t>2022-01-09</a:t>
             </a:fld>
             <a:endParaRPr lang="ko-KR" altLang="en-US"/>
           </a:p>
@@ -1849,7 +1850,7 @@
           <a:p>
             <a:fld id="{CD2F6E2E-667D-4499-9650-0ED9EE2F7AC0}" type="datetimeFigureOut">
               <a:rPr lang="ko-KR" altLang="en-US" smtClean="0"/>
-              <a:t>2022-01-07</a:t>
+              <a:t>2022-01-09</a:t>
             </a:fld>
             <a:endParaRPr lang="ko-KR" altLang="en-US"/>
           </a:p>
@@ -2126,7 +2127,7 @@
           <a:p>
             <a:fld id="{CD2F6E2E-667D-4499-9650-0ED9EE2F7AC0}" type="datetimeFigureOut">
               <a:rPr lang="ko-KR" altLang="en-US" smtClean="0"/>
-              <a:t>2022-01-07</a:t>
+              <a:t>2022-01-09</a:t>
             </a:fld>
             <a:endParaRPr lang="ko-KR" altLang="en-US"/>
           </a:p>
@@ -2379,7 +2380,7 @@
           <a:p>
             <a:fld id="{CD2F6E2E-667D-4499-9650-0ED9EE2F7AC0}" type="datetimeFigureOut">
               <a:rPr lang="ko-KR" altLang="en-US" smtClean="0"/>
-              <a:t>2022-01-07</a:t>
+              <a:t>2022-01-09</a:t>
             </a:fld>
             <a:endParaRPr lang="ko-KR" altLang="en-US"/>
           </a:p>
@@ -2592,7 +2593,7 @@
           <a:p>
             <a:fld id="{CD2F6E2E-667D-4499-9650-0ED9EE2F7AC0}" type="datetimeFigureOut">
               <a:rPr lang="ko-KR" altLang="en-US" smtClean="0"/>
-              <a:t>2022-01-07</a:t>
+              <a:t>2022-01-09</a:t>
             </a:fld>
             <a:endParaRPr lang="ko-KR" altLang="en-US"/>
           </a:p>
@@ -3057,6 +3058,107 @@
 </p:sld>
 </file>
 
+<file path=ppt/slides/slide10.xml><?xml version="1.0" encoding="utf-8"?>
+<p:sld xmlns:a="http://schemas.openxmlformats.org/drawingml/2006/main" xmlns:r="http://schemas.openxmlformats.org/officeDocument/2006/relationships" xmlns:p="http://schemas.openxmlformats.org/presentationml/2006/main">
+  <p:cSld>
+    <p:spTree>
+      <p:nvGrpSpPr>
+        <p:cNvPr id="1" name=""/>
+        <p:cNvGrpSpPr/>
+        <p:nvPr/>
+      </p:nvGrpSpPr>
+      <p:grpSpPr>
+        <a:xfrm>
+          <a:off x="0" y="0"/>
+          <a:ext cx="0" cy="0"/>
+          <a:chOff x="0" y="0"/>
+          <a:chExt cx="0" cy="0"/>
+        </a:xfrm>
+      </p:grpSpPr>
+      <p:sp>
+        <p:nvSpPr>
+          <p:cNvPr id="5" name="직사각형 4"/>
+          <p:cNvSpPr/>
+          <p:nvPr/>
+        </p:nvSpPr>
+        <p:spPr>
+          <a:xfrm>
+            <a:off x="2689460" y="2967335"/>
+            <a:ext cx="6813084" cy="923330"/>
+          </a:xfrm>
+          <a:prstGeom prst="rect">
+            <a:avLst/>
+          </a:prstGeom>
+          <a:noFill/>
+        </p:spPr>
+        <p:txBody>
+          <a:bodyPr wrap="none" lIns="91440" tIns="45720" rIns="91440" bIns="45720">
+            <a:spAutoFit/>
+          </a:bodyPr>
+          <a:lstStyle/>
+          <a:p>
+            <a:pPr algn="ctr"/>
+            <a:r>
+              <a:rPr lang="ko-KR" altLang="en-US" sz="5400" b="0" cap="none" spc="0" dirty="0" smtClean="0">
+                <a:ln w="0"/>
+                <a:solidFill>
+                  <a:schemeClr val="tx1"/>
+                </a:solidFill>
+                <a:effectLst>
+                  <a:outerShdw blurRad="38100" dist="19050" dir="2700000" algn="tl" rotWithShape="0">
+                    <a:schemeClr val="dk1">
+                      <a:alpha val="40000"/>
+                    </a:schemeClr>
+                  </a:outerShdw>
+                </a:effectLst>
+              </a:rPr>
+              <a:t>마지막 페이지입니다</a:t>
+            </a:r>
+            <a:r>
+              <a:rPr lang="en-US" altLang="ko-KR" sz="5400" b="0" cap="none" spc="0" dirty="0" smtClean="0">
+                <a:ln w="0"/>
+                <a:solidFill>
+                  <a:schemeClr val="tx1"/>
+                </a:solidFill>
+                <a:effectLst>
+                  <a:outerShdw blurRad="38100" dist="19050" dir="2700000" algn="tl" rotWithShape="0">
+                    <a:schemeClr val="dk1">
+                      <a:alpha val="40000"/>
+                    </a:schemeClr>
+                  </a:outerShdw>
+                </a:effectLst>
+              </a:rPr>
+              <a:t>.</a:t>
+            </a:r>
+            <a:endParaRPr lang="en-US" altLang="ko-KR" sz="5400" b="0" cap="none" spc="0" dirty="0">
+              <a:ln w="0"/>
+              <a:solidFill>
+                <a:schemeClr val="tx1"/>
+              </a:solidFill>
+              <a:effectLst>
+                <a:outerShdw blurRad="38100" dist="19050" dir="2700000" algn="tl" rotWithShape="0">
+                  <a:schemeClr val="dk1">
+                    <a:alpha val="40000"/>
+                  </a:schemeClr>
+                </a:outerShdw>
+              </a:effectLst>
+            </a:endParaRPr>
+          </a:p>
+        </p:txBody>
+      </p:sp>
+    </p:spTree>
+    <p:extLst>
+      <p:ext uri="{BB962C8B-B14F-4D97-AF65-F5344CB8AC3E}">
+        <p14:creationId xmlns:p14="http://schemas.microsoft.com/office/powerpoint/2010/main" val="1843716655"/>
+      </p:ext>
+    </p:extLst>
+  </p:cSld>
+  <p:clrMapOvr>
+    <a:masterClrMapping/>
+  </p:clrMapOvr>
+</p:sld>
+</file>
+
 <file path=ppt/slides/slide2.xml><?xml version="1.0" encoding="utf-8"?>
 <p:sld xmlns:a="http://schemas.openxmlformats.org/drawingml/2006/main" xmlns:r="http://schemas.openxmlformats.org/officeDocument/2006/relationships" xmlns:p="http://schemas.openxmlformats.org/presentationml/2006/main">
   <p:cSld>
@@ -3164,13 +3266,7 @@
               <a:rPr lang="en-US" altLang="ko-KR" dirty="0" smtClean="0">
                 <a:hlinkClick r:id="rId3"/>
               </a:rPr>
-              <a:t>https://nodejs.org/ko/download</a:t>
-            </a:r>
-            <a:r>
-              <a:rPr lang="en-US" altLang="ko-KR" dirty="0" smtClean="0">
-                <a:hlinkClick r:id="rId3"/>
-              </a:rPr>
-              <a:t>/</a:t>
+              <a:t>https://nodejs.org/ko/download/</a:t>
             </a:r>
             <a:endParaRPr lang="en-US" altLang="ko-KR" dirty="0" smtClean="0"/>
           </a:p>
@@ -3456,7 +3552,7 @@
         <p:spPr>
           <a:xfrm>
             <a:off x="1706657" y="1688950"/>
-            <a:ext cx="4389343" cy="4193777"/>
+            <a:ext cx="4735592" cy="4247317"/>
           </a:xfrm>
           <a:prstGeom prst="rect">
             <a:avLst/>
@@ -3477,7 +3573,72 @@
             </a:pPr>
             <a:r>
               <a:rPr lang="ko-KR" altLang="en-US" dirty="0" smtClean="0"/>
-              <a:t>프로젝트 생성</a:t>
+              <a:t>프로젝트 </a:t>
+            </a:r>
+            <a:r>
+              <a:rPr lang="ko-KR" altLang="en-US" dirty="0" smtClean="0"/>
+              <a:t>생성</a:t>
+            </a:r>
+            <a:endParaRPr lang="en-US" altLang="ko-KR" dirty="0" smtClean="0"/>
+          </a:p>
+          <a:p>
+            <a:pPr marL="800100" lvl="1" indent="-342900">
+              <a:lnSpc>
+                <a:spcPct val="150000"/>
+              </a:lnSpc>
+              <a:buAutoNum type="arabicPeriod"/>
+            </a:pPr>
+            <a:r>
+              <a:rPr lang="en-US" altLang="ko-KR" dirty="0" smtClean="0"/>
+              <a:t>Server side </a:t>
+            </a:r>
+            <a:r>
+              <a:rPr lang="ko-KR" altLang="en-US" dirty="0" err="1" smtClean="0"/>
+              <a:t>심플</a:t>
+            </a:r>
+            <a:r>
+              <a:rPr lang="ko-KR" altLang="en-US" dirty="0" smtClean="0"/>
+              <a:t> 구축 </a:t>
+            </a:r>
+            <a:r>
+              <a:rPr lang="en-US" altLang="ko-KR" dirty="0" smtClean="0"/>
+              <a:t>(Express)</a:t>
+            </a:r>
+          </a:p>
+          <a:p>
+            <a:pPr marL="800100" lvl="1" indent="-342900">
+              <a:lnSpc>
+                <a:spcPct val="150000"/>
+              </a:lnSpc>
+              <a:buAutoNum type="arabicPeriod"/>
+            </a:pPr>
+            <a:r>
+              <a:rPr lang="en-US" altLang="ko-KR" dirty="0" smtClean="0"/>
+              <a:t>Client side </a:t>
+            </a:r>
+            <a:r>
+              <a:rPr lang="ko-KR" altLang="en-US" dirty="0" err="1" smtClean="0"/>
+              <a:t>심플</a:t>
+            </a:r>
+            <a:r>
+              <a:rPr lang="ko-KR" altLang="en-US" dirty="0" smtClean="0"/>
+              <a:t> 구축 </a:t>
+            </a:r>
+            <a:r>
+              <a:rPr lang="en-US" altLang="ko-KR" dirty="0" smtClean="0"/>
+              <a:t>(React)</a:t>
+            </a:r>
+          </a:p>
+          <a:p>
+            <a:pPr marL="800100" lvl="1" indent="-342900">
+              <a:lnSpc>
+                <a:spcPct val="150000"/>
+              </a:lnSpc>
+              <a:buAutoNum type="arabicPeriod"/>
+            </a:pPr>
+            <a:r>
+              <a:rPr lang="ko-KR" altLang="en-US" dirty="0" smtClean="0"/>
+              <a:t>필요 라이브러리 추가</a:t>
             </a:r>
             <a:endParaRPr lang="en-US" altLang="ko-KR" dirty="0" smtClean="0"/>
           </a:p>
@@ -3489,8 +3650,41 @@
               <a:buAutoNum type="arabicPeriod"/>
             </a:pPr>
             <a:r>
+              <a:rPr lang="en-US" altLang="ko-KR" dirty="0" smtClean="0"/>
+              <a:t>React </a:t>
+            </a:r>
+            <a:r>
               <a:rPr lang="ko-KR" altLang="en-US" dirty="0" smtClean="0"/>
-              <a:t>필요 라이브러리 추가</a:t>
+              <a:t>주요 개념 익히기</a:t>
+            </a:r>
+            <a:r>
+              <a:rPr lang="en-US" altLang="ko-KR" dirty="0"/>
+              <a:t> </a:t>
+            </a:r>
+            <a:r>
+              <a:rPr lang="en-US" altLang="ko-KR" dirty="0" smtClean="0"/>
+              <a:t>1</a:t>
+            </a:r>
+          </a:p>
+          <a:p>
+            <a:pPr marL="800100" lvl="1" indent="-342900">
+              <a:lnSpc>
+                <a:spcPct val="150000"/>
+              </a:lnSpc>
+              <a:buFont typeface="+mj-lt"/>
+              <a:buAutoNum type="arabicPeriod"/>
+            </a:pPr>
+            <a:r>
+              <a:rPr lang="en-US" altLang="ko-KR" dirty="0" smtClean="0"/>
+              <a:t>1~3 </a:t>
+            </a:r>
+            <a:r>
+              <a:rPr lang="ko-KR" altLang="en-US" dirty="0" err="1" smtClean="0"/>
+              <a:t>엘리먼트</a:t>
+            </a:r>
+            <a:r>
+              <a:rPr lang="ko-KR" altLang="en-US" dirty="0" smtClean="0"/>
+              <a:t> 렌더링까지 같이 진행</a:t>
             </a:r>
             <a:endParaRPr lang="en-US" altLang="ko-KR" dirty="0" smtClean="0"/>
           </a:p>
@@ -3503,20 +3697,46 @@
             </a:pPr>
             <a:r>
               <a:rPr lang="en-US" altLang="ko-KR" dirty="0" smtClean="0"/>
-              <a:t>Server side </a:t>
+              <a:t>React </a:t>
+            </a:r>
+            <a:r>
+              <a:rPr lang="ko-KR" altLang="en-US" dirty="0" smtClean="0"/>
+              <a:t>주요 개념 익히기 </a:t>
+            </a:r>
+            <a:r>
+              <a:rPr lang="en-US" altLang="ko-KR" dirty="0" smtClean="0"/>
+              <a:t>2</a:t>
+            </a:r>
+          </a:p>
+          <a:p>
+            <a:pPr marL="800100" lvl="1" indent="-342900">
+              <a:lnSpc>
+                <a:spcPct val="150000"/>
+              </a:lnSpc>
+              <a:buFont typeface="+mj-lt"/>
+              <a:buAutoNum type="arabicPeriod"/>
+            </a:pPr>
+            <a:r>
+              <a:rPr lang="ko-KR" altLang="en-US" dirty="0" smtClean="0"/>
+              <a:t>한 </a:t>
             </a:r>
             <a:r>
               <a:rPr lang="ko-KR" altLang="en-US" dirty="0" err="1" smtClean="0"/>
-              <a:t>심플</a:t>
+              <a:t>번호씩</a:t>
             </a:r>
             <a:r>
               <a:rPr lang="ko-KR" altLang="en-US" dirty="0" smtClean="0"/>
-              <a:t> 구축 </a:t>
-            </a:r>
-            <a:r>
-              <a:rPr lang="en-US" altLang="ko-KR" dirty="0" smtClean="0"/>
-              <a:t>(Express)</a:t>
-            </a:r>
+              <a:t> 돌아가며 </a:t>
+            </a:r>
+            <a:r>
+              <a:rPr lang="ko-KR" altLang="en-US" dirty="0" err="1" smtClean="0"/>
+              <a:t>튜터가</a:t>
+            </a:r>
+            <a:r>
+              <a:rPr lang="ko-KR" altLang="en-US" dirty="0" smtClean="0"/>
+              <a:t> 되기</a:t>
+            </a:r>
+            <a:endParaRPr lang="en-US" altLang="ko-KR" dirty="0" smtClean="0"/>
           </a:p>
           <a:p>
             <a:pPr marL="342900" indent="-342900">
@@ -3527,131 +3747,25 @@
             </a:pPr>
             <a:r>
               <a:rPr lang="en-US" altLang="ko-KR" dirty="0" smtClean="0"/>
-              <a:t>Client side </a:t>
-            </a:r>
-            <a:r>
-              <a:rPr lang="ko-KR" altLang="en-US" dirty="0" err="1" smtClean="0"/>
-              <a:t>심플</a:t>
+              <a:t>React </a:t>
             </a:r>
             <a:r>
               <a:rPr lang="ko-KR" altLang="en-US" dirty="0" smtClean="0"/>
-              <a:t> 구축 </a:t>
-            </a:r>
-            <a:r>
-              <a:rPr lang="en-US" altLang="ko-KR" dirty="0" smtClean="0"/>
-              <a:t>(React)</a:t>
-            </a:r>
-          </a:p>
-          <a:p>
-            <a:pPr marL="342900" indent="-342900">
+              <a:t>고급 </a:t>
+            </a:r>
+            <a:r>
+              <a:rPr lang="ko-KR" altLang="en-US" dirty="0" smtClean="0"/>
+              <a:t>안내서</a:t>
+            </a:r>
+            <a:endParaRPr lang="en-US" altLang="ko-KR" dirty="0" smtClean="0"/>
+          </a:p>
+          <a:p>
+            <a:pPr marL="800100" lvl="1" indent="-342900">
               <a:lnSpc>
                 <a:spcPct val="150000"/>
               </a:lnSpc>
+              <a:buFont typeface="+mj-lt"/>
               <a:buAutoNum type="arabicPeriod"/>
-            </a:pPr>
-            <a:r>
-              <a:rPr lang="en-US" altLang="ko-KR" dirty="0" smtClean="0"/>
-              <a:t>React </a:t>
-            </a:r>
-            <a:r>
-              <a:rPr lang="ko-KR" altLang="en-US" dirty="0" smtClean="0"/>
-              <a:t>주요 개념 익히기</a:t>
-            </a:r>
-            <a:r>
-              <a:rPr lang="en-US" altLang="ko-KR" dirty="0"/>
-              <a:t> </a:t>
-            </a:r>
-            <a:r>
-              <a:rPr lang="en-US" altLang="ko-KR" dirty="0" smtClean="0"/>
-              <a:t>1</a:t>
-            </a:r>
-          </a:p>
-          <a:p>
-            <a:pPr lvl="1">
-              <a:lnSpc>
-                <a:spcPct val="150000"/>
-              </a:lnSpc>
-            </a:pPr>
-            <a:r>
-              <a:rPr lang="en-US" altLang="ko-KR" dirty="0" smtClean="0"/>
-              <a:t>1~3 </a:t>
-            </a:r>
-            <a:r>
-              <a:rPr lang="ko-KR" altLang="en-US" dirty="0" err="1" smtClean="0"/>
-              <a:t>엘리먼트</a:t>
-            </a:r>
-            <a:r>
-              <a:rPr lang="ko-KR" altLang="en-US" dirty="0" smtClean="0"/>
-              <a:t> 렌더링까지 같이 진행</a:t>
-            </a:r>
-            <a:endParaRPr lang="en-US" altLang="ko-KR" dirty="0" smtClean="0"/>
-          </a:p>
-          <a:p>
-            <a:pPr marL="342900" indent="-342900">
-              <a:lnSpc>
-                <a:spcPct val="150000"/>
-              </a:lnSpc>
-              <a:buAutoNum type="arabicPeriod"/>
-            </a:pPr>
-            <a:r>
-              <a:rPr lang="en-US" altLang="ko-KR" dirty="0" smtClean="0"/>
-              <a:t>React </a:t>
-            </a:r>
-            <a:r>
-              <a:rPr lang="ko-KR" altLang="en-US" dirty="0" smtClean="0"/>
-              <a:t>주요 개념 익히기 </a:t>
-            </a:r>
-            <a:r>
-              <a:rPr lang="en-US" altLang="ko-KR" dirty="0" smtClean="0"/>
-              <a:t>2</a:t>
-            </a:r>
-          </a:p>
-          <a:p>
-            <a:pPr lvl="1">
-              <a:lnSpc>
-                <a:spcPct val="150000"/>
-              </a:lnSpc>
-            </a:pPr>
-            <a:r>
-              <a:rPr lang="ko-KR" altLang="en-US" dirty="0" smtClean="0"/>
-              <a:t>한 </a:t>
-            </a:r>
-            <a:r>
-              <a:rPr lang="ko-KR" altLang="en-US" dirty="0" err="1" smtClean="0"/>
-              <a:t>번호씩</a:t>
-            </a:r>
-            <a:r>
-              <a:rPr lang="ko-KR" altLang="en-US" dirty="0" smtClean="0"/>
-              <a:t> 돌아가며 </a:t>
-            </a:r>
-            <a:r>
-              <a:rPr lang="ko-KR" altLang="en-US" dirty="0" err="1" smtClean="0"/>
-              <a:t>튜터가</a:t>
-            </a:r>
-            <a:r>
-              <a:rPr lang="ko-KR" altLang="en-US" dirty="0" smtClean="0"/>
-              <a:t> 되기</a:t>
-            </a:r>
-            <a:endParaRPr lang="en-US" altLang="ko-KR" dirty="0" smtClean="0"/>
-          </a:p>
-          <a:p>
-            <a:pPr marL="342900" indent="-342900">
-              <a:lnSpc>
-                <a:spcPct val="150000"/>
-              </a:lnSpc>
-              <a:buAutoNum type="arabicPeriod"/>
-            </a:pPr>
-            <a:r>
-              <a:rPr lang="ko-KR" altLang="en-US" dirty="0" smtClean="0"/>
-              <a:t>고급 안내서</a:t>
-            </a:r>
-            <a:endParaRPr lang="en-US" altLang="ko-KR" dirty="0" smtClean="0"/>
-          </a:p>
-          <a:p>
-            <a:pPr lvl="1">
-              <a:lnSpc>
-                <a:spcPct val="150000"/>
-              </a:lnSpc>
             </a:pPr>
             <a:r>
               <a:rPr lang="ko-KR" altLang="en-US" dirty="0" smtClean="0"/>
@@ -3736,14 +3850,14 @@
       </p:sp>
       <p:sp>
         <p:nvSpPr>
-          <p:cNvPr id="3" name="TextBox 2"/>
+          <p:cNvPr id="4" name="TextBox 3"/>
           <p:cNvSpPr txBox="1"/>
           <p:nvPr/>
         </p:nvSpPr>
         <p:spPr>
           <a:xfrm>
-            <a:off x="1721223" y="1592133"/>
-            <a:ext cx="3855158" cy="4801314"/>
+            <a:off x="521518" y="2086983"/>
+            <a:ext cx="3927998" cy="2123658"/>
           </a:xfrm>
           <a:prstGeom prst="rect">
             <a:avLst/>
@@ -3757,236 +3871,203 @@
           <a:lstStyle/>
           <a:p>
             <a:r>
-              <a:rPr lang="en-US" altLang="ko-KR" dirty="0" smtClean="0"/>
+              <a:rPr lang="en-US" altLang="ko-KR" sz="1600" dirty="0"/>
               <a:t>$ </a:t>
             </a:r>
             <a:r>
-              <a:rPr lang="en-US" altLang="ko-KR" dirty="0" err="1" smtClean="0"/>
+              <a:rPr lang="en-US" altLang="ko-KR" sz="1600" dirty="0" err="1"/>
               <a:t>mkdir</a:t>
             </a:r>
             <a:r>
-              <a:rPr lang="en-US" altLang="ko-KR" dirty="0" smtClean="0"/>
+              <a:rPr lang="en-US" altLang="ko-KR" sz="1600" dirty="0"/>
               <a:t> </a:t>
             </a:r>
             <a:r>
-              <a:rPr lang="en-US" altLang="ko-KR" dirty="0" err="1" smtClean="0"/>
+              <a:rPr lang="en-US" altLang="ko-KR" sz="1600" dirty="0" err="1"/>
               <a:t>react_study</a:t>
             </a:r>
-            <a:endParaRPr lang="en-US" altLang="ko-KR" dirty="0" smtClean="0"/>
-          </a:p>
-          <a:p>
-            <a:r>
-              <a:rPr lang="en-US" altLang="ko-KR" dirty="0" smtClean="0"/>
+            <a:endParaRPr lang="en-US" altLang="ko-KR" sz="1600" dirty="0"/>
+          </a:p>
+          <a:p>
+            <a:r>
+              <a:rPr lang="en-US" altLang="ko-KR" sz="1600" dirty="0"/>
               <a:t>$ cd </a:t>
             </a:r>
             <a:r>
-              <a:rPr lang="en-US" altLang="ko-KR" dirty="0" err="1" smtClean="0"/>
+              <a:rPr lang="en-US" altLang="ko-KR" sz="1600" dirty="0" err="1"/>
               <a:t>react_study</a:t>
             </a:r>
-            <a:endParaRPr lang="en-US" altLang="ko-KR" dirty="0" smtClean="0"/>
-          </a:p>
-          <a:p>
-            <a:endParaRPr lang="en-US" altLang="ko-KR" dirty="0" smtClean="0"/>
-          </a:p>
-          <a:p>
-            <a:r>
-              <a:rPr lang="en-US" altLang="ko-KR" dirty="0" smtClean="0"/>
+            <a:endParaRPr lang="en-US" altLang="ko-KR" sz="1600" dirty="0"/>
+          </a:p>
+          <a:p>
+            <a:endParaRPr lang="en-US" altLang="ko-KR" sz="1600" dirty="0"/>
+          </a:p>
+          <a:p>
+            <a:r>
+              <a:rPr lang="en-US" altLang="ko-KR" sz="1600" dirty="0"/>
               <a:t>$ </a:t>
             </a:r>
             <a:r>
-              <a:rPr lang="en-US" altLang="ko-KR" dirty="0" err="1" smtClean="0"/>
+              <a:rPr lang="en-US" altLang="ko-KR" sz="1600" dirty="0" err="1"/>
               <a:t>npm</a:t>
             </a:r>
             <a:r>
-              <a:rPr lang="en-US" altLang="ko-KR" dirty="0" smtClean="0"/>
-              <a:t> install express</a:t>
-            </a:r>
-          </a:p>
-          <a:p>
-            <a:r>
-              <a:rPr lang="en-US" altLang="ko-KR" dirty="0" smtClean="0"/>
-              <a:t>$ </a:t>
-            </a:r>
-            <a:r>
-              <a:rPr lang="en-US" altLang="ko-KR" dirty="0" err="1"/>
-              <a:t>npm</a:t>
-            </a:r>
-            <a:r>
-              <a:rPr lang="en-US" altLang="ko-KR" dirty="0"/>
-              <a:t> install express-generator </a:t>
-            </a:r>
-            <a:r>
-              <a:rPr lang="en-US" altLang="ko-KR" dirty="0" smtClean="0"/>
-              <a:t>–g</a:t>
-            </a:r>
-          </a:p>
-          <a:p>
-            <a:r>
-              <a:rPr lang="en-US" altLang="ko-KR" dirty="0" smtClean="0"/>
-              <a:t>$ express </a:t>
-            </a:r>
-            <a:r>
-              <a:rPr lang="en-US" altLang="ko-KR" dirty="0"/>
-              <a:t>--view=pug </a:t>
-            </a:r>
-            <a:r>
-              <a:rPr lang="en-US" altLang="ko-KR" dirty="0" smtClean="0"/>
-              <a:t>server-side</a:t>
-            </a:r>
-          </a:p>
-          <a:p>
-            <a:r>
-              <a:rPr lang="en-US" altLang="ko-KR" dirty="0" smtClean="0"/>
-              <a:t>$ cd server-side</a:t>
-            </a:r>
-          </a:p>
-          <a:p>
-            <a:r>
-              <a:rPr lang="en-US" altLang="ko-KR" dirty="0" smtClean="0"/>
-              <a:t>$ </a:t>
-            </a:r>
-            <a:r>
-              <a:rPr lang="en-US" altLang="ko-KR" dirty="0" err="1" smtClean="0"/>
-              <a:t>npm</a:t>
-            </a:r>
-            <a:r>
-              <a:rPr lang="en-US" altLang="ko-KR" dirty="0" smtClean="0"/>
-              <a:t> install</a:t>
-            </a:r>
-          </a:p>
-          <a:p>
-            <a:r>
-              <a:rPr lang="en-US" altLang="ko-KR" dirty="0" smtClean="0"/>
-              <a:t>$ </a:t>
-            </a:r>
-            <a:r>
-              <a:rPr lang="en-US" altLang="ko-KR" dirty="0" err="1" smtClean="0"/>
-              <a:t>npm</a:t>
-            </a:r>
-            <a:r>
-              <a:rPr lang="en-US" altLang="ko-KR" dirty="0" smtClean="0"/>
-              <a:t> start</a:t>
-            </a:r>
-          </a:p>
-          <a:p>
-            <a:r>
-              <a:rPr lang="en-US" altLang="ko-KR" dirty="0" smtClean="0">
-                <a:hlinkClick r:id="rId2"/>
-              </a:rPr>
-              <a:t>http://localhost:3000</a:t>
-            </a:r>
-            <a:r>
-              <a:rPr lang="en-US" altLang="ko-KR" dirty="0" smtClean="0"/>
+              <a:rPr lang="en-US" altLang="ko-KR" sz="1600" dirty="0"/>
               <a:t> </a:t>
             </a:r>
             <a:r>
-              <a:rPr lang="ko-KR" altLang="en-US" dirty="0" smtClean="0"/>
-              <a:t>사이트 확인</a:t>
-            </a:r>
-            <a:endParaRPr lang="en-US" altLang="ko-KR" dirty="0" smtClean="0"/>
-          </a:p>
-          <a:p>
-            <a:r>
-              <a:rPr lang="en-US" altLang="ko-KR" dirty="0" smtClean="0"/>
-              <a:t>-&gt; port </a:t>
-            </a:r>
-            <a:r>
-              <a:rPr lang="ko-KR" altLang="en-US" dirty="0" smtClean="0"/>
-              <a:t>변경 후 사이트 재확인</a:t>
-            </a:r>
-            <a:r>
-              <a:rPr lang="en-US" altLang="ko-KR" dirty="0" smtClean="0"/>
-              <a:t>!!</a:t>
-            </a:r>
-          </a:p>
-          <a:p>
-            <a:endParaRPr lang="en-US" altLang="ko-KR" dirty="0" smtClean="0"/>
-          </a:p>
-          <a:p>
-            <a:r>
-              <a:rPr lang="en-US" altLang="ko-KR" dirty="0" smtClean="0"/>
-              <a:t>$ </a:t>
-            </a:r>
-            <a:r>
-              <a:rPr lang="en-US" altLang="ko-KR" dirty="0" err="1"/>
-              <a:t>npm</a:t>
-            </a:r>
-            <a:r>
-              <a:rPr lang="en-US" altLang="ko-KR" dirty="0"/>
-              <a:t> install -g create-react-app</a:t>
-            </a:r>
-            <a:endParaRPr lang="en-US" altLang="ko-KR" dirty="0"/>
-          </a:p>
-          <a:p>
-            <a:r>
-              <a:rPr lang="en-US" altLang="ko-KR" dirty="0" smtClean="0"/>
-              <a:t>$</a:t>
-            </a:r>
-            <a:r>
-              <a:rPr lang="en-US" altLang="ko-KR" dirty="0"/>
+              <a:rPr lang="en-US" altLang="ko-KR" sz="1600" dirty="0" err="1"/>
+              <a:t>i</a:t>
+            </a:r>
+            <a:r>
+              <a:rPr lang="en-US" altLang="ko-KR" sz="1600" dirty="0"/>
+              <a:t> -g </a:t>
+            </a:r>
+            <a:r>
+              <a:rPr lang="en-US" altLang="ko-KR" sz="1600" dirty="0" err="1"/>
+              <a:t>corepack</a:t>
+            </a:r>
+            <a:endParaRPr lang="en-US" altLang="ko-KR" sz="1600" dirty="0"/>
+          </a:p>
+          <a:p>
+            <a:r>
+              <a:rPr lang="en-US" altLang="ko-KR" sz="1600" dirty="0"/>
+              <a:t>$ cd </a:t>
+            </a:r>
+            <a:r>
+              <a:rPr lang="en-US" altLang="ko-KR" sz="1600" dirty="0" err="1"/>
+              <a:t>react_study</a:t>
+            </a:r>
+            <a:endParaRPr lang="en-US" altLang="ko-KR" sz="1600" dirty="0"/>
+          </a:p>
+          <a:p>
+            <a:r>
+              <a:rPr lang="en-US" altLang="ko-KR" sz="1600" dirty="0"/>
+              <a:t>$ yarn </a:t>
+            </a:r>
+            <a:r>
+              <a:rPr lang="en-US" altLang="ko-KR" sz="1600" dirty="0" err="1" smtClean="0"/>
+              <a:t>init</a:t>
+            </a:r>
+            <a:endParaRPr lang="en-US" altLang="ko-KR" sz="1600" dirty="0" smtClean="0"/>
+          </a:p>
+          <a:p>
+            <a:endParaRPr lang="en-US" altLang="ko-KR" sz="1600" dirty="0"/>
+          </a:p>
+          <a:p>
+            <a:r>
+              <a:rPr lang="en-US" altLang="ko-KR" sz="1600" dirty="0" err="1" smtClean="0"/>
+              <a:t>package.json</a:t>
+            </a:r>
+            <a:r>
+              <a:rPr lang="en-US" altLang="ko-KR" sz="1600" dirty="0" smtClean="0"/>
               <a:t> </a:t>
             </a:r>
             <a:r>
-              <a:rPr lang="en-US" altLang="ko-KR" dirty="0" err="1"/>
-              <a:t>npx</a:t>
-            </a:r>
-            <a:r>
-              <a:rPr lang="en-US" altLang="ko-KR" dirty="0"/>
-              <a:t> create-react-app </a:t>
-            </a:r>
-            <a:r>
-              <a:rPr lang="en-US" altLang="ko-KR" dirty="0" smtClean="0"/>
-              <a:t>client-side</a:t>
-            </a:r>
-            <a:endParaRPr lang="en-US" altLang="ko-KR" dirty="0"/>
-          </a:p>
-          <a:p>
-            <a:r>
-              <a:rPr lang="en-US" altLang="ko-KR" dirty="0" smtClean="0"/>
-              <a:t>$ cd </a:t>
-            </a:r>
-            <a:r>
-              <a:rPr lang="en-US" altLang="ko-KR" dirty="0"/>
-              <a:t>client-side</a:t>
-            </a:r>
-          </a:p>
-          <a:p>
-            <a:r>
-              <a:rPr lang="en-US" altLang="ko-KR" dirty="0" smtClean="0"/>
-              <a:t>$ </a:t>
-            </a:r>
-            <a:r>
-              <a:rPr lang="en-US" altLang="ko-KR" dirty="0" err="1" smtClean="0"/>
-              <a:t>npm</a:t>
-            </a:r>
-            <a:r>
-              <a:rPr lang="en-US" altLang="ko-KR" dirty="0" smtClean="0"/>
-              <a:t> start</a:t>
-            </a:r>
-          </a:p>
-          <a:p>
-            <a:r>
-              <a:rPr lang="en-US" altLang="ko-KR" dirty="0">
-                <a:hlinkClick r:id="rId2"/>
-              </a:rPr>
-              <a:t>http://localhost:3000</a:t>
-            </a:r>
-            <a:r>
-              <a:rPr lang="en-US" altLang="ko-KR" dirty="0"/>
-              <a:t> </a:t>
-            </a:r>
-            <a:r>
-              <a:rPr lang="ko-KR" altLang="en-US" dirty="0"/>
-              <a:t>사이트 </a:t>
-            </a:r>
-            <a:r>
-              <a:rPr lang="ko-KR" altLang="en-US" dirty="0" smtClean="0"/>
-              <a:t>확인</a:t>
-            </a:r>
-            <a:endParaRPr lang="en-US" altLang="ko-KR" dirty="0"/>
-          </a:p>
-        </p:txBody>
-      </p:sp>
+              <a:rPr lang="ko-KR" altLang="en-US" sz="1600" dirty="0" smtClean="0"/>
+              <a:t>파일에 아래 스크립트 추가</a:t>
+            </a:r>
+            <a:endParaRPr lang="en-US" altLang="ko-KR" sz="1600" dirty="0"/>
+          </a:p>
+        </p:txBody>
+      </p:sp>
+      <p:sp>
+        <p:nvSpPr>
+          <p:cNvPr id="5" name="TextBox 4"/>
+          <p:cNvSpPr txBox="1"/>
+          <p:nvPr/>
+        </p:nvSpPr>
+        <p:spPr>
+          <a:xfrm>
+            <a:off x="681978" y="5436484"/>
+            <a:ext cx="3607078" cy="769441"/>
+          </a:xfrm>
+          <a:prstGeom prst="rect">
+            <a:avLst/>
+          </a:prstGeom>
+          <a:noFill/>
+          <a:ln>
+            <a:solidFill>
+              <a:schemeClr val="tx1"/>
+            </a:solidFill>
+          </a:ln>
+        </p:spPr>
+        <p:txBody>
+          <a:bodyPr wrap="none" rtlCol="0">
+            <a:spAutoFit/>
+          </a:bodyPr>
+          <a:lstStyle/>
+          <a:p>
+            <a:r>
+              <a:rPr lang="en-US" altLang="ko-KR" sz="1100" dirty="0"/>
+              <a:t>"scripts": {</a:t>
+            </a:r>
+          </a:p>
+          <a:p>
+            <a:r>
+              <a:rPr lang="en-US" altLang="ko-KR" sz="1100" dirty="0"/>
+              <a:t>    "</a:t>
+            </a:r>
+            <a:r>
+              <a:rPr lang="en-US" altLang="ko-KR" sz="1100" dirty="0" err="1"/>
+              <a:t>devs</a:t>
+            </a:r>
+            <a:r>
+              <a:rPr lang="en-US" altLang="ko-KR" sz="1100" dirty="0"/>
+              <a:t>": "cd server-side &amp;&amp; node ./bin/www",</a:t>
+            </a:r>
+          </a:p>
+          <a:p>
+            <a:r>
+              <a:rPr lang="en-US" altLang="ko-KR" sz="1100" dirty="0"/>
+              <a:t>    "</a:t>
+            </a:r>
+            <a:r>
+              <a:rPr lang="en-US" altLang="ko-KR" sz="1100" dirty="0" err="1"/>
+              <a:t>devc</a:t>
+            </a:r>
+            <a:r>
+              <a:rPr lang="en-US" altLang="ko-KR" sz="1100" dirty="0"/>
+              <a:t>": "cd client-side &amp;&amp; yarn react-scripts start"</a:t>
+            </a:r>
+          </a:p>
+          <a:p>
+            <a:r>
+              <a:rPr lang="en-US" altLang="ko-KR" sz="1100" dirty="0"/>
+              <a:t>  </a:t>
+            </a:r>
+            <a:r>
+              <a:rPr lang="en-US" altLang="ko-KR" sz="1100" dirty="0" smtClean="0"/>
+              <a:t>}</a:t>
+            </a:r>
+            <a:endParaRPr lang="ko-KR" altLang="en-US" sz="1100" dirty="0"/>
+          </a:p>
+        </p:txBody>
+      </p:sp>
+      <p:pic>
+        <p:nvPicPr>
+          <p:cNvPr id="6" name="그림 5"/>
+          <p:cNvPicPr>
+            <a:picLocks noChangeAspect="1"/>
+          </p:cNvPicPr>
+          <p:nvPr/>
+        </p:nvPicPr>
+        <p:blipFill>
+          <a:blip r:embed="rId2"/>
+          <a:stretch>
+            <a:fillRect/>
+          </a:stretch>
+        </p:blipFill>
+        <p:spPr>
+          <a:xfrm>
+            <a:off x="4449516" y="2469296"/>
+            <a:ext cx="7742484" cy="4375056"/>
+          </a:xfrm>
+          <a:prstGeom prst="rect">
+            <a:avLst/>
+          </a:prstGeom>
+        </p:spPr>
+      </p:pic>
     </p:spTree>
     <p:extLst>
       <p:ext uri="{BB962C8B-B14F-4D97-AF65-F5344CB8AC3E}">
@@ -4033,51 +4114,39 @@
           <a:lstStyle/>
           <a:p>
             <a:r>
-              <a:rPr lang="ko-KR" altLang="en-US" dirty="0" smtClean="0"/>
-              <a:t>여기서 잠깐</a:t>
-            </a:r>
-            <a:r>
               <a:rPr lang="en-US" altLang="ko-KR" dirty="0" smtClean="0"/>
-              <a:t>!!</a:t>
+              <a:t>1-1</a:t>
+            </a:r>
+            <a:r>
+              <a:rPr lang="en-US" altLang="ko-KR" dirty="0"/>
+              <a:t>. Server side </a:t>
+            </a:r>
+            <a:r>
+              <a:rPr lang="ko-KR" altLang="en-US" dirty="0" err="1"/>
+              <a:t>심플</a:t>
+            </a:r>
+            <a:r>
+              <a:rPr lang="ko-KR" altLang="en-US" dirty="0"/>
+              <a:t> 구축 </a:t>
+            </a:r>
+            <a:r>
+              <a:rPr lang="en-US" altLang="ko-KR" dirty="0"/>
+              <a:t>(Express)</a:t>
             </a:r>
             <a:endParaRPr lang="ko-KR" altLang="en-US" dirty="0"/>
           </a:p>
         </p:txBody>
       </p:sp>
-      <p:pic>
-        <p:nvPicPr>
-          <p:cNvPr id="3" name="그림 2"/>
-          <p:cNvPicPr>
-            <a:picLocks noChangeAspect="1"/>
-          </p:cNvPicPr>
+      <p:sp>
+        <p:nvSpPr>
+          <p:cNvPr id="3" name="TextBox 2"/>
+          <p:cNvSpPr txBox="1"/>
           <p:nvPr/>
-        </p:nvPicPr>
-        <p:blipFill>
-          <a:blip r:embed="rId2"/>
-          <a:stretch>
-            <a:fillRect/>
-          </a:stretch>
-        </p:blipFill>
+        </p:nvSpPr>
         <p:spPr>
           <a:xfrm>
-            <a:off x="1009929" y="2188452"/>
-            <a:ext cx="6063652" cy="1167933"/>
-          </a:xfrm>
-          <a:prstGeom prst="rect">
-            <a:avLst/>
-          </a:prstGeom>
-        </p:spPr>
-      </p:pic>
-      <p:sp>
-        <p:nvSpPr>
-          <p:cNvPr id="4" name="TextBox 3"/>
-          <p:cNvSpPr txBox="1"/>
-          <p:nvPr/>
-        </p:nvSpPr>
-        <p:spPr>
-          <a:xfrm>
-            <a:off x="5066461" y="3813381"/>
-            <a:ext cx="4014240" cy="646331"/>
+            <a:off x="1721223" y="1592133"/>
+            <a:ext cx="3855158" cy="3362780"/>
           </a:xfrm>
           <a:prstGeom prst="rect">
             <a:avLst/>
@@ -4090,13 +4159,126 @@
           </a:bodyPr>
           <a:lstStyle/>
           <a:p>
+            <a:pPr>
+              <a:lnSpc>
+                <a:spcPct val="150000"/>
+              </a:lnSpc>
+            </a:pPr>
             <a:r>
               <a:rPr lang="en-US" altLang="ko-KR" dirty="0" smtClean="0"/>
-              <a:t>Node </a:t>
+              <a:t>$ </a:t>
             </a:r>
             <a:r>
               <a:rPr lang="en-US" altLang="ko-KR" dirty="0" err="1" smtClean="0"/>
-              <a:t>js</a:t>
+              <a:t>npm</a:t>
+            </a:r>
+            <a:r>
+              <a:rPr lang="en-US" altLang="ko-KR" dirty="0" smtClean="0"/>
+              <a:t> install express</a:t>
+            </a:r>
+          </a:p>
+          <a:p>
+            <a:pPr>
+              <a:lnSpc>
+                <a:spcPct val="150000"/>
+              </a:lnSpc>
+            </a:pPr>
+            <a:r>
+              <a:rPr lang="en-US" altLang="ko-KR" dirty="0" smtClean="0"/>
+              <a:t>$ </a:t>
+            </a:r>
+            <a:r>
+              <a:rPr lang="en-US" altLang="ko-KR" dirty="0" err="1"/>
+              <a:t>npm</a:t>
+            </a:r>
+            <a:r>
+              <a:rPr lang="en-US" altLang="ko-KR" dirty="0"/>
+              <a:t> install express-generator </a:t>
+            </a:r>
+            <a:r>
+              <a:rPr lang="en-US" altLang="ko-KR" dirty="0" smtClean="0"/>
+              <a:t>–g</a:t>
+            </a:r>
+          </a:p>
+          <a:p>
+            <a:pPr>
+              <a:lnSpc>
+                <a:spcPct val="150000"/>
+              </a:lnSpc>
+            </a:pPr>
+            <a:r>
+              <a:rPr lang="en-US" altLang="ko-KR" dirty="0" smtClean="0"/>
+              <a:t>$ express </a:t>
+            </a:r>
+            <a:r>
+              <a:rPr lang="en-US" altLang="ko-KR" dirty="0"/>
+              <a:t>--view=pug </a:t>
+            </a:r>
+            <a:r>
+              <a:rPr lang="en-US" altLang="ko-KR" dirty="0" smtClean="0"/>
+              <a:t>server-side</a:t>
+            </a:r>
+          </a:p>
+          <a:p>
+            <a:pPr>
+              <a:lnSpc>
+                <a:spcPct val="150000"/>
+              </a:lnSpc>
+            </a:pPr>
+            <a:r>
+              <a:rPr lang="en-US" altLang="ko-KR" dirty="0" smtClean="0"/>
+              <a:t>$ cd server-side</a:t>
+            </a:r>
+          </a:p>
+          <a:p>
+            <a:pPr>
+              <a:lnSpc>
+                <a:spcPct val="150000"/>
+              </a:lnSpc>
+            </a:pPr>
+            <a:r>
+              <a:rPr lang="en-US" altLang="ko-KR" dirty="0" smtClean="0"/>
+              <a:t>$ </a:t>
+            </a:r>
+            <a:r>
+              <a:rPr lang="en-US" altLang="ko-KR" dirty="0" err="1" smtClean="0"/>
+              <a:t>npm</a:t>
+            </a:r>
+            <a:r>
+              <a:rPr lang="en-US" altLang="ko-KR" dirty="0" smtClean="0"/>
+              <a:t> install</a:t>
+            </a:r>
+          </a:p>
+          <a:p>
+            <a:pPr>
+              <a:lnSpc>
+                <a:spcPct val="150000"/>
+              </a:lnSpc>
+            </a:pPr>
+            <a:r>
+              <a:rPr lang="en-US" altLang="ko-KR" dirty="0" smtClean="0"/>
+              <a:t>$ </a:t>
+            </a:r>
+            <a:r>
+              <a:rPr lang="en-US" altLang="ko-KR" dirty="0" err="1" smtClean="0"/>
+              <a:t>npm</a:t>
+            </a:r>
+            <a:r>
+              <a:rPr lang="en-US" altLang="ko-KR" dirty="0" smtClean="0"/>
+              <a:t> start</a:t>
+            </a:r>
+          </a:p>
+          <a:p>
+            <a:pPr>
+              <a:lnSpc>
+                <a:spcPct val="150000"/>
+              </a:lnSpc>
+            </a:pPr>
+            <a:r>
+              <a:rPr lang="en-US" altLang="ko-KR" dirty="0" smtClean="0">
+                <a:hlinkClick r:id="rId2"/>
+              </a:rPr>
+              <a:t>http://localhost:3000</a:t>
             </a:r>
             <a:r>
               <a:rPr lang="en-US" altLang="ko-KR" dirty="0" smtClean="0"/>
@@ -4104,27 +4286,36 @@
             </a:r>
             <a:r>
               <a:rPr lang="ko-KR" altLang="en-US" dirty="0" smtClean="0"/>
-              <a:t>홈페이지 가서 최신버전으로</a:t>
+              <a:t>사이트 확인</a:t>
             </a:r>
             <a:endParaRPr lang="en-US" altLang="ko-KR" dirty="0" smtClean="0"/>
           </a:p>
           <a:p>
+            <a:pPr>
+              <a:lnSpc>
+                <a:spcPct val="150000"/>
+              </a:lnSpc>
+            </a:pPr>
+            <a:r>
+              <a:rPr lang="en-US" altLang="ko-KR" dirty="0" smtClean="0"/>
+              <a:t>-&gt; port </a:t>
+            </a:r>
             <a:r>
               <a:rPr lang="ko-KR" altLang="en-US" dirty="0" smtClean="0"/>
-              <a:t>다운 받고 설치해주세요</a:t>
+              <a:t>변경 후 사이트 재확인</a:t>
             </a:r>
             <a:r>
               <a:rPr lang="en-US" altLang="ko-KR" dirty="0" smtClean="0"/>
-              <a:t>..</a:t>
-            </a:r>
-            <a:endParaRPr lang="ko-KR" altLang="en-US" dirty="0"/>
+              <a:t>!!</a:t>
+            </a:r>
+            <a:endParaRPr lang="en-US" altLang="ko-KR" dirty="0"/>
           </a:p>
         </p:txBody>
       </p:sp>
     </p:spTree>
     <p:extLst>
       <p:ext uri="{BB962C8B-B14F-4D97-AF65-F5344CB8AC3E}">
-        <p14:creationId xmlns:p14="http://schemas.microsoft.com/office/powerpoint/2010/main" val="1146021319"/>
+        <p14:creationId xmlns:p14="http://schemas.microsoft.com/office/powerpoint/2010/main" val="1492907554"/>
       </p:ext>
     </p:extLst>
   </p:cSld>
@@ -4168,11 +4359,31 @@
           <a:p>
             <a:r>
               <a:rPr lang="en-US" altLang="ko-KR" dirty="0" smtClean="0"/>
-              <a:t>1. </a:t>
-            </a:r>
-            <a:r>
-              <a:rPr lang="ko-KR" altLang="en-US" dirty="0" smtClean="0"/>
-              <a:t>프로젝트 생성</a:t>
+              <a:t>1-1</a:t>
+            </a:r>
+            <a:r>
+              <a:rPr lang="en-US" altLang="ko-KR" dirty="0"/>
+              <a:t>. </a:t>
+            </a:r>
+            <a:r>
+              <a:rPr lang="en-US" altLang="ko-KR" dirty="0" smtClean="0"/>
+              <a:t>Client </a:t>
+            </a:r>
+            <a:r>
+              <a:rPr lang="en-US" altLang="ko-KR" dirty="0"/>
+              <a:t>side </a:t>
+            </a:r>
+            <a:r>
+              <a:rPr lang="ko-KR" altLang="en-US" dirty="0" err="1"/>
+              <a:t>심플</a:t>
+            </a:r>
+            <a:r>
+              <a:rPr lang="ko-KR" altLang="en-US" dirty="0"/>
+              <a:t> 구축 </a:t>
+            </a:r>
+            <a:r>
+              <a:rPr lang="en-US" altLang="ko-KR" dirty="0" smtClean="0"/>
+              <a:t>(React)</a:t>
             </a:r>
             <a:endParaRPr lang="ko-KR" altLang="en-US" dirty="0"/>
           </a:p>
@@ -4186,8 +4397,8 @@
         </p:nvSpPr>
         <p:spPr>
           <a:xfrm>
-            <a:off x="427987" y="1818042"/>
-            <a:ext cx="3927998" cy="1569660"/>
+            <a:off x="1721223" y="1592133"/>
+            <a:ext cx="3704412" cy="2116285"/>
           </a:xfrm>
           <a:prstGeom prst="rect">
             <a:avLst/>
@@ -4200,178 +4411,101 @@
           </a:bodyPr>
           <a:lstStyle/>
           <a:p>
-            <a:endParaRPr lang="en-US" altLang="ko-KR" sz="1600" dirty="0"/>
-          </a:p>
-          <a:p>
-            <a:r>
-              <a:rPr lang="en-US" altLang="ko-KR" sz="1600" dirty="0"/>
+            <a:pPr>
+              <a:lnSpc>
+                <a:spcPct val="150000"/>
+              </a:lnSpc>
+            </a:pPr>
+            <a:r>
+              <a:rPr lang="en-US" altLang="ko-KR" dirty="0" smtClean="0"/>
               <a:t>$ </a:t>
             </a:r>
             <a:r>
-              <a:rPr lang="en-US" altLang="ko-KR" sz="1600" dirty="0" err="1"/>
+              <a:rPr lang="en-US" altLang="ko-KR" dirty="0" err="1" smtClean="0"/>
               <a:t>npm</a:t>
             </a:r>
             <a:r>
-              <a:rPr lang="en-US" altLang="ko-KR" sz="1600" dirty="0"/>
+              <a:rPr lang="en-US" altLang="ko-KR" dirty="0" smtClean="0"/>
+              <a:t> install -g create-react-app</a:t>
+            </a:r>
+          </a:p>
+          <a:p>
+            <a:pPr>
+              <a:lnSpc>
+                <a:spcPct val="150000"/>
+              </a:lnSpc>
+            </a:pPr>
+            <a:r>
+              <a:rPr lang="en-US" altLang="ko-KR" dirty="0" smtClean="0"/>
+              <a:t>$ </a:t>
+            </a:r>
+            <a:r>
+              <a:rPr lang="en-US" altLang="ko-KR" dirty="0" err="1" smtClean="0"/>
+              <a:t>npx</a:t>
+            </a:r>
+            <a:r>
+              <a:rPr lang="en-US" altLang="ko-KR" dirty="0" smtClean="0"/>
+              <a:t> create-react-app client-side</a:t>
+            </a:r>
+          </a:p>
+          <a:p>
+            <a:pPr>
+              <a:lnSpc>
+                <a:spcPct val="150000"/>
+              </a:lnSpc>
+            </a:pPr>
+            <a:r>
+              <a:rPr lang="en-US" altLang="ko-KR" dirty="0" smtClean="0"/>
+              <a:t>$ cd client-side</a:t>
+            </a:r>
+          </a:p>
+          <a:p>
+            <a:pPr>
+              <a:lnSpc>
+                <a:spcPct val="150000"/>
+              </a:lnSpc>
+            </a:pPr>
+            <a:r>
+              <a:rPr lang="en-US" altLang="ko-KR" dirty="0" smtClean="0"/>
+              <a:t>$ </a:t>
+            </a:r>
+            <a:r>
+              <a:rPr lang="en-US" altLang="ko-KR" dirty="0" err="1" smtClean="0"/>
+              <a:t>npm</a:t>
+            </a:r>
+            <a:r>
+              <a:rPr lang="en-US" altLang="ko-KR" dirty="0" smtClean="0"/>
+              <a:t> start</a:t>
+            </a:r>
+          </a:p>
+          <a:p>
+            <a:pPr>
+              <a:lnSpc>
+                <a:spcPct val="150000"/>
+              </a:lnSpc>
+            </a:pPr>
+            <a:r>
+              <a:rPr lang="en-US" altLang="ko-KR" dirty="0" smtClean="0">
+                <a:hlinkClick r:id="rId2"/>
+              </a:rPr>
+              <a:t>http://localhost:3000</a:t>
+            </a:r>
+            <a:r>
+              <a:rPr lang="en-US" altLang="ko-KR" dirty="0" smtClean="0"/>
               <a:t> </a:t>
             </a:r>
             <a:r>
-              <a:rPr lang="en-US" altLang="ko-KR" sz="1600" dirty="0" err="1"/>
-              <a:t>i</a:t>
-            </a:r>
-            <a:r>
-              <a:rPr lang="en-US" altLang="ko-KR" sz="1600" dirty="0"/>
-              <a:t> -g </a:t>
-            </a:r>
-            <a:r>
-              <a:rPr lang="en-US" altLang="ko-KR" sz="1600" dirty="0" err="1"/>
-              <a:t>corepack</a:t>
-            </a:r>
-            <a:endParaRPr lang="en-US" altLang="ko-KR" sz="1600" dirty="0"/>
-          </a:p>
-          <a:p>
-            <a:r>
-              <a:rPr lang="en-US" altLang="ko-KR" sz="1600" dirty="0"/>
-              <a:t>$ cd </a:t>
-            </a:r>
-            <a:r>
-              <a:rPr lang="en-US" altLang="ko-KR" sz="1600" dirty="0" err="1"/>
-              <a:t>react_study</a:t>
-            </a:r>
-            <a:endParaRPr lang="en-US" altLang="ko-KR" sz="1600" dirty="0"/>
-          </a:p>
-          <a:p>
-            <a:r>
-              <a:rPr lang="en-US" altLang="ko-KR" sz="1600" dirty="0"/>
-              <a:t>$ yarn </a:t>
-            </a:r>
-            <a:r>
-              <a:rPr lang="en-US" altLang="ko-KR" sz="1600" dirty="0" err="1" smtClean="0"/>
-              <a:t>init</a:t>
-            </a:r>
-            <a:endParaRPr lang="en-US" altLang="ko-KR" sz="1600" dirty="0" smtClean="0"/>
-          </a:p>
-          <a:p>
-            <a:endParaRPr lang="en-US" altLang="ko-KR" sz="1600" dirty="0"/>
-          </a:p>
-          <a:p>
-            <a:r>
-              <a:rPr lang="en-US" altLang="ko-KR" sz="1600" dirty="0" err="1" smtClean="0"/>
-              <a:t>package.json</a:t>
-            </a:r>
-            <a:r>
-              <a:rPr lang="en-US" altLang="ko-KR" sz="1600" dirty="0" smtClean="0"/>
-              <a:t> </a:t>
-            </a:r>
-            <a:r>
-              <a:rPr lang="ko-KR" altLang="en-US" sz="1600" dirty="0" smtClean="0"/>
-              <a:t>파일에 아래 스크립트 추가</a:t>
-            </a:r>
-            <a:endParaRPr lang="en-US" altLang="ko-KR" sz="1600" dirty="0"/>
-          </a:p>
-        </p:txBody>
-      </p:sp>
-      <p:sp>
-        <p:nvSpPr>
-          <p:cNvPr id="4" name="TextBox 3"/>
-          <p:cNvSpPr txBox="1"/>
-          <p:nvPr/>
-        </p:nvSpPr>
-        <p:spPr>
-          <a:xfrm>
-            <a:off x="588447" y="3887383"/>
-            <a:ext cx="3607078" cy="769441"/>
-          </a:xfrm>
-          <a:prstGeom prst="rect">
-            <a:avLst/>
-          </a:prstGeom>
-          <a:noFill/>
-          <a:ln>
-            <a:solidFill>
-              <a:schemeClr val="tx1"/>
-            </a:solidFill>
-          </a:ln>
-        </p:spPr>
-        <p:txBody>
-          <a:bodyPr wrap="none" rtlCol="0">
-            <a:spAutoFit/>
-          </a:bodyPr>
-          <a:lstStyle/>
-          <a:p>
-            <a:r>
-              <a:rPr lang="en-US" altLang="ko-KR" sz="1100" dirty="0"/>
-              <a:t>"scripts": {</a:t>
-            </a:r>
-          </a:p>
-          <a:p>
-            <a:r>
-              <a:rPr lang="en-US" altLang="ko-KR" sz="1100" dirty="0"/>
-              <a:t>    "</a:t>
-            </a:r>
-            <a:r>
-              <a:rPr lang="en-US" altLang="ko-KR" sz="1100" dirty="0" err="1"/>
-              <a:t>devs</a:t>
-            </a:r>
-            <a:r>
-              <a:rPr lang="en-US" altLang="ko-KR" sz="1100" dirty="0"/>
-              <a:t>": "cd server-side &amp;&amp; node ./bin/www",</a:t>
-            </a:r>
-          </a:p>
-          <a:p>
-            <a:r>
-              <a:rPr lang="en-US" altLang="ko-KR" sz="1100" dirty="0"/>
-              <a:t>    "</a:t>
-            </a:r>
-            <a:r>
-              <a:rPr lang="en-US" altLang="ko-KR" sz="1100" dirty="0" err="1"/>
-              <a:t>devc</a:t>
-            </a:r>
-            <a:r>
-              <a:rPr lang="en-US" altLang="ko-KR" sz="1100" dirty="0"/>
-              <a:t>": "cd client-side &amp;&amp; yarn react-scripts start"</a:t>
-            </a:r>
-          </a:p>
-          <a:p>
-            <a:r>
-              <a:rPr lang="en-US" altLang="ko-KR" sz="1100" dirty="0"/>
-              <a:t>  </a:t>
-            </a:r>
-            <a:r>
-              <a:rPr lang="en-US" altLang="ko-KR" sz="1100" dirty="0" smtClean="0"/>
-              <a:t>}</a:t>
-            </a:r>
-            <a:endParaRPr lang="ko-KR" altLang="en-US" sz="1100" dirty="0"/>
-          </a:p>
-        </p:txBody>
-      </p:sp>
-      <p:pic>
-        <p:nvPicPr>
-          <p:cNvPr id="5" name="그림 4"/>
-          <p:cNvPicPr>
-            <a:picLocks noChangeAspect="1"/>
-          </p:cNvPicPr>
-          <p:nvPr/>
-        </p:nvPicPr>
-        <p:blipFill>
-          <a:blip r:embed="rId2"/>
-          <a:stretch>
-            <a:fillRect/>
-          </a:stretch>
-        </p:blipFill>
-        <p:spPr>
-          <a:xfrm>
-            <a:off x="4449516" y="2469296"/>
-            <a:ext cx="7742484" cy="4375056"/>
-          </a:xfrm>
-          <a:prstGeom prst="rect">
-            <a:avLst/>
-          </a:prstGeom>
-        </p:spPr>
-      </p:pic>
+              <a:rPr lang="ko-KR" altLang="en-US" dirty="0" smtClean="0"/>
+              <a:t>사이트 확인</a:t>
+            </a:r>
+            <a:endParaRPr lang="en-US" altLang="ko-KR" dirty="0"/>
+          </a:p>
+        </p:txBody>
+      </p:sp>
     </p:spTree>
     <p:extLst>
       <p:ext uri="{BB962C8B-B14F-4D97-AF65-F5344CB8AC3E}">
-        <p14:creationId xmlns:p14="http://schemas.microsoft.com/office/powerpoint/2010/main" val="1706633956"/>
+        <p14:creationId xmlns:p14="http://schemas.microsoft.com/office/powerpoint/2010/main" val="4185648550"/>
       </p:ext>
     </p:extLst>
   </p:cSld>
@@ -4415,7 +4549,7 @@
           <a:p>
             <a:r>
               <a:rPr lang="en-US" altLang="ko-KR" dirty="0" smtClean="0"/>
-              <a:t>2. </a:t>
+              <a:t>1-3. </a:t>
             </a:r>
             <a:r>
               <a:rPr lang="ko-KR" altLang="en-US" dirty="0" smtClean="0"/>
